--- a/input/images-source/LabExampleE4Technical.pptx
+++ b/input/images-source/LabExampleE4Technical.pptx
@@ -197,7 +197,7 @@
           <a:p>
             <a:fld id="{567555BC-1E79-452F-9C1B-714B0951F390}" type="datetimeFigureOut">
               <a:rPr lang="fr-FR" smtClean="0"/>
-              <a:t>11/02/2020</a:t>
+              <a:t>12/02/2020</a:t>
             </a:fld>
             <a:endParaRPr lang="fr-FR"/>
           </a:p>
@@ -695,7 +695,7 @@
           <a:p>
             <a:fld id="{8BCF6F66-F8B5-42A7-8BF1-80240DF56CB0}" type="datetimeFigureOut">
               <a:rPr lang="fr-FR" smtClean="0"/>
-              <a:t>11/02/2020</a:t>
+              <a:t>12/02/2020</a:t>
             </a:fld>
             <a:endParaRPr lang="fr-FR"/>
           </a:p>
@@ -893,7 +893,7 @@
           <a:p>
             <a:fld id="{8BCF6F66-F8B5-42A7-8BF1-80240DF56CB0}" type="datetimeFigureOut">
               <a:rPr lang="fr-FR" smtClean="0"/>
-              <a:t>11/02/2020</a:t>
+              <a:t>12/02/2020</a:t>
             </a:fld>
             <a:endParaRPr lang="fr-FR"/>
           </a:p>
@@ -1101,7 +1101,7 @@
           <a:p>
             <a:fld id="{8BCF6F66-F8B5-42A7-8BF1-80240DF56CB0}" type="datetimeFigureOut">
               <a:rPr lang="fr-FR" smtClean="0"/>
-              <a:t>11/02/2020</a:t>
+              <a:t>12/02/2020</a:t>
             </a:fld>
             <a:endParaRPr lang="fr-FR"/>
           </a:p>
@@ -1299,7 +1299,7 @@
           <a:p>
             <a:fld id="{8BCF6F66-F8B5-42A7-8BF1-80240DF56CB0}" type="datetimeFigureOut">
               <a:rPr lang="fr-FR" smtClean="0"/>
-              <a:t>11/02/2020</a:t>
+              <a:t>12/02/2020</a:t>
             </a:fld>
             <a:endParaRPr lang="fr-FR"/>
           </a:p>
@@ -1574,7 +1574,7 @@
           <a:p>
             <a:fld id="{8BCF6F66-F8B5-42A7-8BF1-80240DF56CB0}" type="datetimeFigureOut">
               <a:rPr lang="fr-FR" smtClean="0"/>
-              <a:t>11/02/2020</a:t>
+              <a:t>12/02/2020</a:t>
             </a:fld>
             <a:endParaRPr lang="fr-FR"/>
           </a:p>
@@ -1839,7 +1839,7 @@
           <a:p>
             <a:fld id="{8BCF6F66-F8B5-42A7-8BF1-80240DF56CB0}" type="datetimeFigureOut">
               <a:rPr lang="fr-FR" smtClean="0"/>
-              <a:t>11/02/2020</a:t>
+              <a:t>12/02/2020</a:t>
             </a:fld>
             <a:endParaRPr lang="fr-FR"/>
           </a:p>
@@ -2251,7 +2251,7 @@
           <a:p>
             <a:fld id="{8BCF6F66-F8B5-42A7-8BF1-80240DF56CB0}" type="datetimeFigureOut">
               <a:rPr lang="fr-FR" smtClean="0"/>
-              <a:t>11/02/2020</a:t>
+              <a:t>12/02/2020</a:t>
             </a:fld>
             <a:endParaRPr lang="fr-FR"/>
           </a:p>
@@ -2392,7 +2392,7 @@
           <a:p>
             <a:fld id="{8BCF6F66-F8B5-42A7-8BF1-80240DF56CB0}" type="datetimeFigureOut">
               <a:rPr lang="fr-FR" smtClean="0"/>
-              <a:t>11/02/2020</a:t>
+              <a:t>12/02/2020</a:t>
             </a:fld>
             <a:endParaRPr lang="fr-FR"/>
           </a:p>
@@ -2505,7 +2505,7 @@
           <a:p>
             <a:fld id="{8BCF6F66-F8B5-42A7-8BF1-80240DF56CB0}" type="datetimeFigureOut">
               <a:rPr lang="fr-FR" smtClean="0"/>
-              <a:t>11/02/2020</a:t>
+              <a:t>12/02/2020</a:t>
             </a:fld>
             <a:endParaRPr lang="fr-FR"/>
           </a:p>
@@ -2816,7 +2816,7 @@
           <a:p>
             <a:fld id="{8BCF6F66-F8B5-42A7-8BF1-80240DF56CB0}" type="datetimeFigureOut">
               <a:rPr lang="fr-FR" smtClean="0"/>
-              <a:t>11/02/2020</a:t>
+              <a:t>12/02/2020</a:t>
             </a:fld>
             <a:endParaRPr lang="fr-FR"/>
           </a:p>
@@ -3104,7 +3104,7 @@
           <a:p>
             <a:fld id="{8BCF6F66-F8B5-42A7-8BF1-80240DF56CB0}" type="datetimeFigureOut">
               <a:rPr lang="fr-FR" smtClean="0"/>
-              <a:t>11/02/2020</a:t>
+              <a:t>12/02/2020</a:t>
             </a:fld>
             <a:endParaRPr lang="fr-FR"/>
           </a:p>
@@ -3345,7 +3345,7 @@
           <a:p>
             <a:fld id="{8BCF6F66-F8B5-42A7-8BF1-80240DF56CB0}" type="datetimeFigureOut">
               <a:rPr lang="fr-FR" smtClean="0"/>
-              <a:t>11/02/2020</a:t>
+              <a:t>12/02/2020</a:t>
             </a:fld>
             <a:endParaRPr lang="fr-FR"/>
           </a:p>
@@ -4657,8 +4657,8 @@
         </p:nvSpPr>
         <p:spPr>
           <a:xfrm>
-            <a:off x="112369" y="116554"/>
-            <a:ext cx="9703034" cy="584775"/>
+            <a:off x="112369" y="311440"/>
+            <a:ext cx="9703034" cy="461665"/>
           </a:xfrm>
           <a:prstGeom prst="rect">
             <a:avLst/>
@@ -4672,11 +4672,11 @@
           <a:lstStyle/>
           <a:p>
             <a:r>
-              <a:rPr lang="en-US" sz="3200" dirty="0"/>
+              <a:rPr lang="en-US" sz="2400" dirty="0"/>
               <a:t>E4: Serum creatinine </a:t>
             </a:r>
             <a:r>
-              <a:rPr lang="en-US" sz="3200" dirty="0">
+              <a:rPr lang="en-US" sz="2400" dirty="0">
                 <a:highlight>
                   <a:srgbClr val="00FF00"/>
                 </a:highlight>
@@ -4684,11 +4684,11 @@
               <a:t>test</a:t>
             </a:r>
             <a:r>
-              <a:rPr lang="en-US" sz="3200" dirty="0"/>
+              <a:rPr lang="en-US" sz="2400" dirty="0"/>
               <a:t>, </a:t>
             </a:r>
             <a:r>
-              <a:rPr lang="en-US" sz="3200" dirty="0">
+              <a:rPr lang="en-US" sz="2400" dirty="0">
                 <a:highlight>
                   <a:srgbClr val="FFFF00"/>
                 </a:highlight>
@@ -4696,7 +4696,7 @@
               <a:t>orderable</a:t>
             </a:r>
             <a:r>
-              <a:rPr lang="en-US" sz="3200" dirty="0"/>
+              <a:rPr lang="en-US" sz="2400" dirty="0"/>
               <a:t>: summary of content</a:t>
             </a:r>
           </a:p>

--- a/input/images-source/LabExampleE4Technical.pptx
+++ b/input/images-source/LabExampleE4Technical.pptx
@@ -197,7 +197,7 @@
           <a:p>
             <a:fld id="{567555BC-1E79-452F-9C1B-714B0951F390}" type="datetimeFigureOut">
               <a:rPr lang="fr-FR" smtClean="0"/>
-              <a:t>12/02/2020</a:t>
+              <a:t>13/02/2020</a:t>
             </a:fld>
             <a:endParaRPr lang="fr-FR"/>
           </a:p>
@@ -695,7 +695,7 @@
           <a:p>
             <a:fld id="{8BCF6F66-F8B5-42A7-8BF1-80240DF56CB0}" type="datetimeFigureOut">
               <a:rPr lang="fr-FR" smtClean="0"/>
-              <a:t>12/02/2020</a:t>
+              <a:t>13/02/2020</a:t>
             </a:fld>
             <a:endParaRPr lang="fr-FR"/>
           </a:p>
@@ -893,7 +893,7 @@
           <a:p>
             <a:fld id="{8BCF6F66-F8B5-42A7-8BF1-80240DF56CB0}" type="datetimeFigureOut">
               <a:rPr lang="fr-FR" smtClean="0"/>
-              <a:t>12/02/2020</a:t>
+              <a:t>13/02/2020</a:t>
             </a:fld>
             <a:endParaRPr lang="fr-FR"/>
           </a:p>
@@ -1101,7 +1101,7 @@
           <a:p>
             <a:fld id="{8BCF6F66-F8B5-42A7-8BF1-80240DF56CB0}" type="datetimeFigureOut">
               <a:rPr lang="fr-FR" smtClean="0"/>
-              <a:t>12/02/2020</a:t>
+              <a:t>13/02/2020</a:t>
             </a:fld>
             <a:endParaRPr lang="fr-FR"/>
           </a:p>
@@ -1299,7 +1299,7 @@
           <a:p>
             <a:fld id="{8BCF6F66-F8B5-42A7-8BF1-80240DF56CB0}" type="datetimeFigureOut">
               <a:rPr lang="fr-FR" smtClean="0"/>
-              <a:t>12/02/2020</a:t>
+              <a:t>13/02/2020</a:t>
             </a:fld>
             <a:endParaRPr lang="fr-FR"/>
           </a:p>
@@ -1574,7 +1574,7 @@
           <a:p>
             <a:fld id="{8BCF6F66-F8B5-42A7-8BF1-80240DF56CB0}" type="datetimeFigureOut">
               <a:rPr lang="fr-FR" smtClean="0"/>
-              <a:t>12/02/2020</a:t>
+              <a:t>13/02/2020</a:t>
             </a:fld>
             <a:endParaRPr lang="fr-FR"/>
           </a:p>
@@ -1839,7 +1839,7 @@
           <a:p>
             <a:fld id="{8BCF6F66-F8B5-42A7-8BF1-80240DF56CB0}" type="datetimeFigureOut">
               <a:rPr lang="fr-FR" smtClean="0"/>
-              <a:t>12/02/2020</a:t>
+              <a:t>13/02/2020</a:t>
             </a:fld>
             <a:endParaRPr lang="fr-FR"/>
           </a:p>
@@ -2251,7 +2251,7 @@
           <a:p>
             <a:fld id="{8BCF6F66-F8B5-42A7-8BF1-80240DF56CB0}" type="datetimeFigureOut">
               <a:rPr lang="fr-FR" smtClean="0"/>
-              <a:t>12/02/2020</a:t>
+              <a:t>13/02/2020</a:t>
             </a:fld>
             <a:endParaRPr lang="fr-FR"/>
           </a:p>
@@ -2392,7 +2392,7 @@
           <a:p>
             <a:fld id="{8BCF6F66-F8B5-42A7-8BF1-80240DF56CB0}" type="datetimeFigureOut">
               <a:rPr lang="fr-FR" smtClean="0"/>
-              <a:t>12/02/2020</a:t>
+              <a:t>13/02/2020</a:t>
             </a:fld>
             <a:endParaRPr lang="fr-FR"/>
           </a:p>
@@ -2505,7 +2505,7 @@
           <a:p>
             <a:fld id="{8BCF6F66-F8B5-42A7-8BF1-80240DF56CB0}" type="datetimeFigureOut">
               <a:rPr lang="fr-FR" smtClean="0"/>
-              <a:t>12/02/2020</a:t>
+              <a:t>13/02/2020</a:t>
             </a:fld>
             <a:endParaRPr lang="fr-FR"/>
           </a:p>
@@ -2816,7 +2816,7 @@
           <a:p>
             <a:fld id="{8BCF6F66-F8B5-42A7-8BF1-80240DF56CB0}" type="datetimeFigureOut">
               <a:rPr lang="fr-FR" smtClean="0"/>
-              <a:t>12/02/2020</a:t>
+              <a:t>13/02/2020</a:t>
             </a:fld>
             <a:endParaRPr lang="fr-FR"/>
           </a:p>
@@ -3104,7 +3104,7 @@
           <a:p>
             <a:fld id="{8BCF6F66-F8B5-42A7-8BF1-80240DF56CB0}" type="datetimeFigureOut">
               <a:rPr lang="fr-FR" smtClean="0"/>
-              <a:t>12/02/2020</a:t>
+              <a:t>13/02/2020</a:t>
             </a:fld>
             <a:endParaRPr lang="fr-FR"/>
           </a:p>
@@ -3345,7 +3345,7 @@
           <a:p>
             <a:fld id="{8BCF6F66-F8B5-42A7-8BF1-80240DF56CB0}" type="datetimeFigureOut">
               <a:rPr lang="fr-FR" smtClean="0"/>
-              <a:t>12/02/2020</a:t>
+              <a:t>13/02/2020</a:t>
             </a:fld>
             <a:endParaRPr lang="fr-FR"/>
           </a:p>
@@ -4245,8 +4245,8 @@
         </p:nvCxnSpPr>
         <p:spPr>
           <a:xfrm flipV="1">
-            <a:off x="5047861" y="2960690"/>
-            <a:ext cx="1253880" cy="1531258"/>
+            <a:off x="4974579" y="2960690"/>
+            <a:ext cx="1327162" cy="3038394"/>
           </a:xfrm>
           <a:prstGeom prst="straightConnector1">
             <a:avLst/>
@@ -4333,7 +4333,7 @@
         <p:spPr>
           <a:xfrm>
             <a:off x="2521705" y="833092"/>
-            <a:ext cx="3582289" cy="4354719"/>
+            <a:ext cx="3582289" cy="5834585"/>
           </a:xfrm>
           <a:prstGeom prst="roundRect">
             <a:avLst>
@@ -4517,16 +4517,146 @@
                   <a:srgbClr val="FFFF00"/>
                 </a:highlight>
               </a:rPr>
-              <a:t>useContext {code: task, value: LABOE</a:t>
-            </a:r>
+              <a:t>useContext</a:t>
+            </a:r>
+          </a:p>
+          <a:p>
+            <a:pPr marL="265113"/>
             <a:r>
               <a:rPr lang="en-US" sz="1600" noProof="1">
                 <a:solidFill>
                   <a:srgbClr val="0070C0"/>
                 </a:solidFill>
-              </a:rPr>
-              <a:t>}</a:t>
-            </a:r>
+                <a:highlight>
+                  <a:srgbClr val="FFFF00"/>
+                </a:highlight>
+              </a:rPr>
+              <a:t>code: </a:t>
+            </a:r>
+            <a:r>
+              <a:rPr lang="en-US" sz="1600" noProof="1">
+                <a:solidFill>
+                  <a:schemeClr val="tx1"/>
+                </a:solidFill>
+                <a:highlight>
+                  <a:srgbClr val="FFFF00"/>
+                </a:highlight>
+              </a:rPr>
+              <a:t>task</a:t>
+            </a:r>
+          </a:p>
+          <a:p>
+            <a:pPr marL="265113"/>
+            <a:r>
+              <a:rPr lang="en-US" sz="1600" noProof="1">
+                <a:solidFill>
+                  <a:srgbClr val="0070C0"/>
+                </a:solidFill>
+                <a:highlight>
+                  <a:srgbClr val="FFFF00"/>
+                </a:highlight>
+              </a:rPr>
+              <a:t>valueCodeableConcept</a:t>
+            </a:r>
+          </a:p>
+          <a:p>
+            <a:pPr marL="452438"/>
+            <a:r>
+              <a:rPr lang="en-US" sz="1600" noProof="1">
+                <a:solidFill>
+                  <a:srgbClr val="0070C0"/>
+                </a:solidFill>
+                <a:highlight>
+                  <a:srgbClr val="FFFF00"/>
+                </a:highlight>
+              </a:rPr>
+              <a:t>system: </a:t>
+            </a:r>
+            <a:r>
+              <a:rPr lang="en-US" sz="1600" noProof="1">
+                <a:solidFill>
+                  <a:schemeClr val="tx1"/>
+                </a:solidFill>
+                <a:highlight>
+                  <a:srgbClr val="FFFF00"/>
+                </a:highlight>
+              </a:rPr>
+              <a:t>v3-ActCode</a:t>
+            </a:r>
+            <a:endParaRPr lang="en-US" sz="1600" noProof="1">
+              <a:solidFill>
+                <a:srgbClr val="0070C0"/>
+              </a:solidFill>
+              <a:highlight>
+                <a:srgbClr val="FFFF00"/>
+              </a:highlight>
+            </a:endParaRPr>
+          </a:p>
+          <a:p>
+            <a:pPr marL="452438"/>
+            <a:r>
+              <a:rPr lang="en-US" sz="1600" noProof="1">
+                <a:solidFill>
+                  <a:srgbClr val="0070C0"/>
+                </a:solidFill>
+                <a:highlight>
+                  <a:srgbClr val="FFFF00"/>
+                </a:highlight>
+              </a:rPr>
+              <a:t>code</a:t>
+            </a:r>
+            <a:r>
+              <a:rPr lang="en-US" sz="1600" noProof="1">
+                <a:solidFill>
+                  <a:schemeClr val="tx1"/>
+                </a:solidFill>
+                <a:highlight>
+                  <a:srgbClr val="FFFF00"/>
+                </a:highlight>
+              </a:rPr>
+              <a:t>: LABOE</a:t>
+            </a:r>
+          </a:p>
+          <a:p>
+            <a:pPr marL="452438"/>
+            <a:r>
+              <a:rPr lang="en-US" sz="1600" noProof="1">
+                <a:solidFill>
+                  <a:srgbClr val="0070C0"/>
+                </a:solidFill>
+                <a:highlight>
+                  <a:srgbClr val="FFFF00"/>
+                </a:highlight>
+              </a:rPr>
+              <a:t>display: </a:t>
+            </a:r>
+            <a:r>
+              <a:rPr lang="en-US" sz="1600" noProof="1">
+                <a:solidFill>
+                  <a:schemeClr val="tx1"/>
+                </a:solidFill>
+                <a:highlight>
+                  <a:srgbClr val="FFFF00"/>
+                </a:highlight>
+              </a:rPr>
+              <a:t>lab order entry</a:t>
+            </a:r>
+            <a:endParaRPr lang="en-US" sz="1600" noProof="1">
+              <a:solidFill>
+                <a:srgbClr val="0070C0"/>
+              </a:solidFill>
+              <a:highlight>
+                <a:srgbClr val="FFFF00"/>
+              </a:highlight>
+            </a:endParaRPr>
+          </a:p>
+          <a:p>
+            <a:pPr marL="176213"/>
+            <a:endParaRPr lang="en-US" sz="1600" noProof="1">
+              <a:solidFill>
+                <a:srgbClr val="0070C0"/>
+              </a:solidFill>
+            </a:endParaRPr>
           </a:p>
           <a:p>
             <a:pPr marL="176213"/>
@@ -5067,9 +5197,9 @@
           <p:nvPr/>
         </p:nvCxnSpPr>
         <p:spPr>
-          <a:xfrm>
-            <a:off x="4963886" y="5008230"/>
-            <a:ext cx="1327162" cy="455220"/>
+          <a:xfrm flipV="1">
+            <a:off x="4963886" y="5463450"/>
+            <a:ext cx="1327162" cy="993334"/>
           </a:xfrm>
           <a:prstGeom prst="straightConnector1">
             <a:avLst/>
@@ -5110,7 +5240,7 @@
         </p:nvSpPr>
         <p:spPr>
           <a:xfrm>
-            <a:off x="1879718" y="3708798"/>
+            <a:off x="1879718" y="5164371"/>
             <a:ext cx="324464" cy="1361069"/>
           </a:xfrm>
           <a:prstGeom prst="leftBrace">
@@ -5164,8 +5294,8 @@
         </p:nvSpPr>
         <p:spPr>
           <a:xfrm>
-            <a:off x="1306132" y="4031228"/>
-            <a:ext cx="796413" cy="646331"/>
+            <a:off x="490743" y="5410051"/>
+            <a:ext cx="1486725" cy="923330"/>
           </a:xfrm>
           <a:prstGeom prst="rect">
             <a:avLst/>
@@ -5186,7 +5316,19 @@
                   </a:schemeClr>
                 </a:solidFill>
               </a:rPr>
-              <a:t>Group XOR</a:t>
+              <a:t>Group exclusive OR</a:t>
+            </a:r>
+          </a:p>
+          <a:p>
+            <a:r>
+              <a:rPr lang="en-US" noProof="1">
+                <a:solidFill>
+                  <a:schemeClr val="accent2">
+                    <a:lumMod val="50000"/>
+                  </a:schemeClr>
+                </a:solidFill>
+              </a:rPr>
+              <a:t>(XOR)</a:t>
             </a:r>
           </a:p>
         </p:txBody>
@@ -5207,7 +5349,7 @@
         </p:nvCxnSpPr>
         <p:spPr>
           <a:xfrm>
-            <a:off x="2288748" y="3708798"/>
+            <a:off x="2288748" y="5164371"/>
             <a:ext cx="755855" cy="0"/>
           </a:xfrm>
           <a:prstGeom prst="line">
@@ -5253,7 +5395,7 @@
         </p:nvCxnSpPr>
         <p:spPr>
           <a:xfrm>
-            <a:off x="2266625" y="5069867"/>
+            <a:off x="2266625" y="6525440"/>
             <a:ext cx="755855" cy="0"/>
           </a:xfrm>
           <a:prstGeom prst="line">

--- a/input/images-source/LabExampleE4Technical.pptx
+++ b/input/images-source/LabExampleE4Technical.pptx
@@ -197,7 +197,7 @@
           <a:p>
             <a:fld id="{567555BC-1E79-452F-9C1B-714B0951F390}" type="datetimeFigureOut">
               <a:rPr lang="fr-FR" smtClean="0"/>
-              <a:t>13/02/2020</a:t>
+              <a:t>08/06/2020</a:t>
             </a:fld>
             <a:endParaRPr lang="fr-FR"/>
           </a:p>
@@ -695,7 +695,7 @@
           <a:p>
             <a:fld id="{8BCF6F66-F8B5-42A7-8BF1-80240DF56CB0}" type="datetimeFigureOut">
               <a:rPr lang="fr-FR" smtClean="0"/>
-              <a:t>13/02/2020</a:t>
+              <a:t>08/06/2020</a:t>
             </a:fld>
             <a:endParaRPr lang="fr-FR"/>
           </a:p>
@@ -893,7 +893,7 @@
           <a:p>
             <a:fld id="{8BCF6F66-F8B5-42A7-8BF1-80240DF56CB0}" type="datetimeFigureOut">
               <a:rPr lang="fr-FR" smtClean="0"/>
-              <a:t>13/02/2020</a:t>
+              <a:t>08/06/2020</a:t>
             </a:fld>
             <a:endParaRPr lang="fr-FR"/>
           </a:p>
@@ -1101,7 +1101,7 @@
           <a:p>
             <a:fld id="{8BCF6F66-F8B5-42A7-8BF1-80240DF56CB0}" type="datetimeFigureOut">
               <a:rPr lang="fr-FR" smtClean="0"/>
-              <a:t>13/02/2020</a:t>
+              <a:t>08/06/2020</a:t>
             </a:fld>
             <a:endParaRPr lang="fr-FR"/>
           </a:p>
@@ -1299,7 +1299,7 @@
           <a:p>
             <a:fld id="{8BCF6F66-F8B5-42A7-8BF1-80240DF56CB0}" type="datetimeFigureOut">
               <a:rPr lang="fr-FR" smtClean="0"/>
-              <a:t>13/02/2020</a:t>
+              <a:t>08/06/2020</a:t>
             </a:fld>
             <a:endParaRPr lang="fr-FR"/>
           </a:p>
@@ -1574,7 +1574,7 @@
           <a:p>
             <a:fld id="{8BCF6F66-F8B5-42A7-8BF1-80240DF56CB0}" type="datetimeFigureOut">
               <a:rPr lang="fr-FR" smtClean="0"/>
-              <a:t>13/02/2020</a:t>
+              <a:t>08/06/2020</a:t>
             </a:fld>
             <a:endParaRPr lang="fr-FR"/>
           </a:p>
@@ -1839,7 +1839,7 @@
           <a:p>
             <a:fld id="{8BCF6F66-F8B5-42A7-8BF1-80240DF56CB0}" type="datetimeFigureOut">
               <a:rPr lang="fr-FR" smtClean="0"/>
-              <a:t>13/02/2020</a:t>
+              <a:t>08/06/2020</a:t>
             </a:fld>
             <a:endParaRPr lang="fr-FR"/>
           </a:p>
@@ -2251,7 +2251,7 @@
           <a:p>
             <a:fld id="{8BCF6F66-F8B5-42A7-8BF1-80240DF56CB0}" type="datetimeFigureOut">
               <a:rPr lang="fr-FR" smtClean="0"/>
-              <a:t>13/02/2020</a:t>
+              <a:t>08/06/2020</a:t>
             </a:fld>
             <a:endParaRPr lang="fr-FR"/>
           </a:p>
@@ -2392,7 +2392,7 @@
           <a:p>
             <a:fld id="{8BCF6F66-F8B5-42A7-8BF1-80240DF56CB0}" type="datetimeFigureOut">
               <a:rPr lang="fr-FR" smtClean="0"/>
-              <a:t>13/02/2020</a:t>
+              <a:t>08/06/2020</a:t>
             </a:fld>
             <a:endParaRPr lang="fr-FR"/>
           </a:p>
@@ -2505,7 +2505,7 @@
           <a:p>
             <a:fld id="{8BCF6F66-F8B5-42A7-8BF1-80240DF56CB0}" type="datetimeFigureOut">
               <a:rPr lang="fr-FR" smtClean="0"/>
-              <a:t>13/02/2020</a:t>
+              <a:t>08/06/2020</a:t>
             </a:fld>
             <a:endParaRPr lang="fr-FR"/>
           </a:p>
@@ -2816,7 +2816,7 @@
           <a:p>
             <a:fld id="{8BCF6F66-F8B5-42A7-8BF1-80240DF56CB0}" type="datetimeFigureOut">
               <a:rPr lang="fr-FR" smtClean="0"/>
-              <a:t>13/02/2020</a:t>
+              <a:t>08/06/2020</a:t>
             </a:fld>
             <a:endParaRPr lang="fr-FR"/>
           </a:p>
@@ -3104,7 +3104,7 @@
           <a:p>
             <a:fld id="{8BCF6F66-F8B5-42A7-8BF1-80240DF56CB0}" type="datetimeFigureOut">
               <a:rPr lang="fr-FR" smtClean="0"/>
-              <a:t>13/02/2020</a:t>
+              <a:t>08/06/2020</a:t>
             </a:fld>
             <a:endParaRPr lang="fr-FR"/>
           </a:p>
@@ -3345,7 +3345,7 @@
           <a:p>
             <a:fld id="{8BCF6F66-F8B5-42A7-8BF1-80240DF56CB0}" type="datetimeFigureOut">
               <a:rPr lang="fr-FR" smtClean="0"/>
-              <a:t>13/02/2020</a:t>
+              <a:t>08/06/2020</a:t>
             </a:fld>
             <a:endParaRPr lang="fr-FR"/>
           </a:p>
@@ -3764,10 +3764,10 @@
       </p:grpSpPr>
       <p:sp>
         <p:nvSpPr>
-          <p:cNvPr id="4" name="Rectangle : coins arrondis 3">
-            <a:extLst>
-              <a:ext uri="{FF2B5EF4-FFF2-40B4-BE49-F238E27FC236}">
-                <a16:creationId xmlns:a16="http://schemas.microsoft.com/office/drawing/2014/main" id="{76D005D9-2037-4F5C-9179-DFDC2659B7F0}"/>
+          <p:cNvPr id="23" name="Rectangle : coins arrondis 22">
+            <a:extLst>
+              <a:ext uri="{FF2B5EF4-FFF2-40B4-BE49-F238E27FC236}">
+                <a16:creationId xmlns:a16="http://schemas.microsoft.com/office/drawing/2014/main" id="{8CF8298D-D2FD-40AB-A874-0128D23338E0}"/>
               </a:ext>
             </a:extLst>
           </p:cNvPr>
@@ -3776,8 +3776,8 @@
         </p:nvSpPr>
         <p:spPr>
           <a:xfrm>
-            <a:off x="6301741" y="1805564"/>
-            <a:ext cx="3161508" cy="2310251"/>
+            <a:off x="6291048" y="4282359"/>
+            <a:ext cx="3161508" cy="2118091"/>
           </a:xfrm>
           <a:prstGeom prst="roundRect">
             <a:avLst>
@@ -3855,7 +3855,7 @@
                   <a:schemeClr val="tx1"/>
                 </a:solidFill>
               </a:rPr>
-              <a:t>serum creatinine (venous)</a:t>
+              <a:t>serum creatinine </a:t>
             </a:r>
           </a:p>
           <a:p>
@@ -3980,17 +3980,6 @@
                   <a:srgbClr val="0070C0"/>
                 </a:solidFill>
               </a:rPr>
-              <a:t>specimenRequirement</a:t>
-            </a:r>
-          </a:p>
-          <a:p>
-            <a:pPr marL="268288"/>
-            <a:r>
-              <a:rPr lang="en-US" sz="1600" noProof="1">
-                <a:solidFill>
-                  <a:srgbClr val="0070C0"/>
-                </a:solidFill>
-              </a:rPr>
               <a:t>observationResultRequirement </a:t>
             </a:r>
           </a:p>
@@ -3998,10 +3987,10 @@
       </p:sp>
       <p:sp>
         <p:nvSpPr>
-          <p:cNvPr id="6" name="Rectangle : coins arrondis 5">
-            <a:extLst>
-              <a:ext uri="{FF2B5EF4-FFF2-40B4-BE49-F238E27FC236}">
-                <a16:creationId xmlns:a16="http://schemas.microsoft.com/office/drawing/2014/main" id="{DE115957-E080-48FD-B763-B520C28E97DD}"/>
+          <p:cNvPr id="27" name="Rectangle : coins arrondis 26">
+            <a:extLst>
+              <a:ext uri="{FF2B5EF4-FFF2-40B4-BE49-F238E27FC236}">
+                <a16:creationId xmlns:a16="http://schemas.microsoft.com/office/drawing/2014/main" id="{3F104D40-D615-47E2-81AF-8C75FA47C2DB}"/>
               </a:ext>
             </a:extLst>
           </p:cNvPr>
@@ -4010,7 +3999,7 @@
         </p:nvSpPr>
         <p:spPr>
           <a:xfrm>
-            <a:off x="9660996" y="3238073"/>
+            <a:off x="6291048" y="1152835"/>
             <a:ext cx="2074607" cy="668594"/>
           </a:xfrm>
           <a:prstGeom prst="roundRect">
@@ -4069,10 +4058,10 @@
       </p:sp>
       <p:sp>
         <p:nvSpPr>
-          <p:cNvPr id="24" name="Rectangle : coins arrondis 23">
-            <a:extLst>
-              <a:ext uri="{FF2B5EF4-FFF2-40B4-BE49-F238E27FC236}">
-                <a16:creationId xmlns:a16="http://schemas.microsoft.com/office/drawing/2014/main" id="{02AB1110-47D1-40E7-99B0-0EA356ADDA45}"/>
+          <p:cNvPr id="34" name="Rectangle : coins arrondis 33">
+            <a:extLst>
+              <a:ext uri="{FF2B5EF4-FFF2-40B4-BE49-F238E27FC236}">
+                <a16:creationId xmlns:a16="http://schemas.microsoft.com/office/drawing/2014/main" id="{767D7B21-A30E-42F0-9BC8-8C7679578062}"/>
               </a:ext>
             </a:extLst>
           </p:cNvPr>
@@ -4081,7 +4070,7 @@
         </p:nvSpPr>
         <p:spPr>
           <a:xfrm>
-            <a:off x="9704641" y="4553010"/>
+            <a:off x="9670295" y="5490010"/>
             <a:ext cx="2320211" cy="910440"/>
           </a:xfrm>
           <a:prstGeom prst="roundRect">
@@ -4140,23 +4129,23 @@
       </p:sp>
       <p:cxnSp>
         <p:nvCxnSpPr>
-          <p:cNvPr id="31" name="Connecteur droit avec flèche 30">
-            <a:extLst>
-              <a:ext uri="{FF2B5EF4-FFF2-40B4-BE49-F238E27FC236}">
-                <a16:creationId xmlns:a16="http://schemas.microsoft.com/office/drawing/2014/main" id="{F85AD6A8-6DC1-48C5-97A4-6CA1DB5FAC27}"/>
+          <p:cNvPr id="35" name="Connecteur droit avec flèche 34">
+            <a:extLst>
+              <a:ext uri="{FF2B5EF4-FFF2-40B4-BE49-F238E27FC236}">
+                <a16:creationId xmlns:a16="http://schemas.microsoft.com/office/drawing/2014/main" id="{BF9DA26C-B11C-4C56-A399-229167D80D5C}"/>
               </a:ext>
             </a:extLst>
           </p:cNvPr>
           <p:cNvCxnSpPr>
             <a:cxnSpLocks/>
-            <a:endCxn id="24" idx="1"/>
+            <a:endCxn id="34" idx="1"/>
           </p:cNvCxnSpPr>
           <p:nvPr/>
         </p:nvCxnSpPr>
         <p:spPr>
-          <a:xfrm>
-            <a:off x="9350845" y="4005603"/>
-            <a:ext cx="353796" cy="1002627"/>
+          <a:xfrm flipV="1">
+            <a:off x="9384528" y="5945230"/>
+            <a:ext cx="285767" cy="233262"/>
           </a:xfrm>
           <a:prstGeom prst="straightConnector1">
             <a:avLst/>
@@ -4185,30 +4174,30 @@
       </p:cxnSp>
       <p:cxnSp>
         <p:nvCxnSpPr>
-          <p:cNvPr id="26" name="Connecteur droit avec flèche 25">
-            <a:extLst>
-              <a:ext uri="{FF2B5EF4-FFF2-40B4-BE49-F238E27FC236}">
-                <a16:creationId xmlns:a16="http://schemas.microsoft.com/office/drawing/2014/main" id="{5B506B3C-8504-4607-A0EC-8CFF7B905C49}"/>
+          <p:cNvPr id="36" name="Connecteur droit avec flèche 35">
+            <a:extLst>
+              <a:ext uri="{FF2B5EF4-FFF2-40B4-BE49-F238E27FC236}">
+                <a16:creationId xmlns:a16="http://schemas.microsoft.com/office/drawing/2014/main" id="{AD5D88D6-483F-45C4-BD6A-6523B0F5E0B2}"/>
               </a:ext>
             </a:extLst>
           </p:cNvPr>
           <p:cNvCxnSpPr>
             <a:cxnSpLocks/>
-            <a:endCxn id="6" idx="1"/>
+            <a:endCxn id="27" idx="1"/>
           </p:cNvCxnSpPr>
           <p:nvPr/>
         </p:nvCxnSpPr>
         <p:spPr>
           <a:xfrm flipV="1">
-            <a:off x="8630150" y="3572370"/>
-            <a:ext cx="1030846" cy="190911"/>
+            <a:off x="5546035" y="1487132"/>
+            <a:ext cx="745013" cy="2691650"/>
           </a:xfrm>
           <a:prstGeom prst="straightConnector1">
             <a:avLst/>
           </a:prstGeom>
           <a:ln>
             <a:solidFill>
-              <a:schemeClr val="tx1"/>
+              <a:srgbClr val="00B050"/>
             </a:solidFill>
             <a:tailEnd type="triangle" w="lg" len="lg"/>
           </a:ln>
@@ -4230,30 +4219,30 @@
       </p:cxnSp>
       <p:cxnSp>
         <p:nvCxnSpPr>
-          <p:cNvPr id="38" name="Connecteur droit avec flèche 37">
-            <a:extLst>
-              <a:ext uri="{FF2B5EF4-FFF2-40B4-BE49-F238E27FC236}">
-                <a16:creationId xmlns:a16="http://schemas.microsoft.com/office/drawing/2014/main" id="{EF1F3B6C-6D4A-41A5-AF56-0F82A7D7C1BF}"/>
+          <p:cNvPr id="37" name="Connecteur droit avec flèche 36">
+            <a:extLst>
+              <a:ext uri="{FF2B5EF4-FFF2-40B4-BE49-F238E27FC236}">
+                <a16:creationId xmlns:a16="http://schemas.microsoft.com/office/drawing/2014/main" id="{837096D7-2BB3-4610-85B4-14C886BE1059}"/>
               </a:ext>
             </a:extLst>
           </p:cNvPr>
           <p:cNvCxnSpPr>
             <a:cxnSpLocks/>
-            <a:endCxn id="4" idx="1"/>
+            <a:endCxn id="41" idx="1"/>
           </p:cNvCxnSpPr>
           <p:nvPr/>
         </p:nvCxnSpPr>
         <p:spPr>
           <a:xfrm flipV="1">
-            <a:off x="4974579" y="2960690"/>
-            <a:ext cx="1327162" cy="3038394"/>
+            <a:off x="5546035" y="3568332"/>
+            <a:ext cx="745013" cy="1618965"/>
           </a:xfrm>
           <a:prstGeom prst="straightConnector1">
             <a:avLst/>
           </a:prstGeom>
           <a:ln>
             <a:solidFill>
-              <a:schemeClr val="tx1"/>
+              <a:srgbClr val="00B050"/>
             </a:solidFill>
             <a:tailEnd type="triangle" w="lg" len="lg"/>
           </a:ln>
@@ -4273,67 +4262,22 @@
           </a:fontRef>
         </p:style>
       </p:cxnSp>
-      <p:cxnSp>
-        <p:nvCxnSpPr>
-          <p:cNvPr id="48" name="Connecteur droit avec flèche 47">
-            <a:extLst>
-              <a:ext uri="{FF2B5EF4-FFF2-40B4-BE49-F238E27FC236}">
-                <a16:creationId xmlns:a16="http://schemas.microsoft.com/office/drawing/2014/main" id="{BBD92E82-BDCF-4C74-BEA1-9C997A349A10}"/>
-              </a:ext>
-            </a:extLst>
-          </p:cNvPr>
-          <p:cNvCxnSpPr>
-            <a:cxnSpLocks/>
-            <a:endCxn id="17" idx="1"/>
-          </p:cNvCxnSpPr>
+      <p:sp>
+        <p:nvSpPr>
+          <p:cNvPr id="39" name="Rectangle : coins arrondis 38">
+            <a:extLst>
+              <a:ext uri="{FF2B5EF4-FFF2-40B4-BE49-F238E27FC236}">
+                <a16:creationId xmlns:a16="http://schemas.microsoft.com/office/drawing/2014/main" id="{14146D43-8BCB-452F-A62E-1621C035F5F0}"/>
+              </a:ext>
+            </a:extLst>
+          </p:cNvPr>
+          <p:cNvSpPr/>
           <p:nvPr/>
-        </p:nvCxnSpPr>
+        </p:nvSpPr>
         <p:spPr>
           <a:xfrm>
-            <a:off x="8537510" y="6232849"/>
-            <a:ext cx="1123486" cy="100532"/>
-          </a:xfrm>
-          <a:prstGeom prst="straightConnector1">
-            <a:avLst/>
-          </a:prstGeom>
-          <a:ln>
-            <a:solidFill>
-              <a:schemeClr val="tx1"/>
-            </a:solidFill>
-            <a:tailEnd type="triangle" w="lg" len="lg"/>
-          </a:ln>
-        </p:spPr>
-        <p:style>
-          <a:lnRef idx="1">
-            <a:schemeClr val="accent1"/>
-          </a:lnRef>
-          <a:fillRef idx="0">
-            <a:schemeClr val="accent1"/>
-          </a:fillRef>
-          <a:effectRef idx="0">
-            <a:schemeClr val="accent1"/>
-          </a:effectRef>
-          <a:fontRef idx="minor">
-            <a:schemeClr val="tx1"/>
-          </a:fontRef>
-        </p:style>
-      </p:cxnSp>
-      <p:sp>
-        <p:nvSpPr>
-          <p:cNvPr id="28" name="Rectangle : coins arrondis 27">
-            <a:extLst>
-              <a:ext uri="{FF2B5EF4-FFF2-40B4-BE49-F238E27FC236}">
-                <a16:creationId xmlns:a16="http://schemas.microsoft.com/office/drawing/2014/main" id="{F8258634-CE44-4221-9F7A-F381A5941379}"/>
-              </a:ext>
-            </a:extLst>
-          </p:cNvPr>
-          <p:cNvSpPr/>
-          <p:nvPr/>
-        </p:nvSpPr>
-        <p:spPr>
-          <a:xfrm>
-            <a:off x="2521705" y="833092"/>
-            <a:ext cx="3582289" cy="5834585"/>
+            <a:off x="2521705" y="833093"/>
+            <a:ext cx="3582289" cy="5554456"/>
           </a:xfrm>
           <a:prstGeom prst="roundRect">
             <a:avLst>
@@ -4517,50 +4461,41 @@
                   <a:srgbClr val="FFFF00"/>
                 </a:highlight>
               </a:rPr>
-              <a:t>useContext</a:t>
-            </a:r>
-          </a:p>
-          <a:p>
-            <a:pPr marL="265113"/>
+              <a:t>useContext (</a:t>
+            </a:r>
             <a:r>
               <a:rPr lang="en-US" sz="1600" noProof="1">
                 <a:solidFill>
-                  <a:srgbClr val="0070C0"/>
+                  <a:schemeClr val="tx1"/>
                 </a:solidFill>
                 <a:highlight>
                   <a:srgbClr val="FFFF00"/>
                 </a:highlight>
               </a:rPr>
-              <a:t>code: </a:t>
+              <a:t>task</a:t>
             </a:r>
             <a:r>
               <a:rPr lang="en-US" sz="1600" noProof="1">
                 <a:solidFill>
-                  <a:schemeClr val="tx1"/>
+                  <a:srgbClr val="0070C0"/>
                 </a:solidFill>
                 <a:highlight>
                   <a:srgbClr val="FFFF00"/>
                 </a:highlight>
               </a:rPr>
-              <a:t>task</a:t>
-            </a:r>
-          </a:p>
-          <a:p>
-            <a:pPr marL="265113"/>
+              <a:t>, </a:t>
+            </a:r>
             <a:r>
               <a:rPr lang="en-US" sz="1600" noProof="1">
                 <a:solidFill>
-                  <a:srgbClr val="0070C0"/>
+                  <a:schemeClr val="tx1"/>
                 </a:solidFill>
                 <a:highlight>
                   <a:srgbClr val="FFFF00"/>
                 </a:highlight>
               </a:rPr>
-              <a:t>valueCodeableConcept</a:t>
-            </a:r>
-          </a:p>
-          <a:p>
-            <a:pPr marL="452438"/>
+              <a:t>LABOE</a:t>
+            </a:r>
             <a:r>
               <a:rPr lang="en-US" sz="1600" noProof="1">
                 <a:solidFill>
@@ -4570,215 +4505,185 @@
                   <a:srgbClr val="FFFF00"/>
                 </a:highlight>
               </a:rPr>
-              <a:t>system: </a:t>
-            </a:r>
+              <a:t>)</a:t>
+            </a:r>
+          </a:p>
+          <a:p>
+            <a:pPr marL="176213"/>
             <a:r>
               <a:rPr lang="en-US" sz="1600" noProof="1">
                 <a:solidFill>
+                  <a:srgbClr val="0070C0"/>
+                </a:solidFill>
+              </a:rPr>
+              <a:t>action</a:t>
+            </a:r>
+          </a:p>
+          <a:p>
+            <a:pPr marL="354013"/>
+            <a:r>
+              <a:rPr lang="en-US" sz="1600" noProof="1">
+                <a:solidFill>
+                  <a:srgbClr val="00B050"/>
+                </a:solidFill>
+              </a:rPr>
+              <a:t>specimenRequirements [ </a:t>
+            </a:r>
+          </a:p>
+          <a:p>
+            <a:pPr marL="354013"/>
+            <a:r>
+              <a:rPr lang="en-US" sz="1600" noProof="1">
+                <a:solidFill>
+                  <a:srgbClr val="00B050"/>
+                </a:solidFill>
+              </a:rPr>
+              <a:t>    { </a:t>
+            </a:r>
+          </a:p>
+          <a:p>
+            <a:pPr marL="354013"/>
+            <a:r>
+              <a:rPr lang="en-US" sz="1600" noProof="1">
+                <a:solidFill>
+                  <a:srgbClr val="00B050"/>
+                </a:solidFill>
+              </a:rPr>
+              <a:t>          exclusiveGroup 	 </a:t>
+            </a:r>
+          </a:p>
+          <a:p>
+            <a:pPr marL="354013"/>
+            <a:r>
+              <a:rPr lang="en-US" sz="1600" noProof="1">
+                <a:solidFill>
+                  <a:srgbClr val="00B050"/>
+                </a:solidFill>
+              </a:rPr>
+              <a:t>            [  { sampleRequirement }  ]</a:t>
+            </a:r>
+          </a:p>
+          <a:p>
+            <a:pPr marL="354013"/>
+            <a:r>
+              <a:rPr lang="en-US" sz="1600" noProof="1">
+                <a:solidFill>
+                  <a:srgbClr val="00B050"/>
+                </a:solidFill>
+              </a:rPr>
+              <a:t>    },</a:t>
+            </a:r>
+          </a:p>
+          <a:p>
+            <a:pPr marL="354013"/>
+            <a:r>
+              <a:rPr lang="en-US" sz="1600" noProof="1">
+                <a:solidFill>
+                  <a:srgbClr val="00B050"/>
+                </a:solidFill>
+              </a:rPr>
+              <a:t>    {</a:t>
+            </a:r>
+          </a:p>
+          <a:p>
+            <a:pPr marL="354013"/>
+            <a:r>
+              <a:rPr lang="en-US" sz="1600" noProof="1">
+                <a:solidFill>
+                  <a:srgbClr val="00B050"/>
+                </a:solidFill>
+              </a:rPr>
+              <a:t>          exclusiveGroup 	 </a:t>
+            </a:r>
+          </a:p>
+          <a:p>
+            <a:pPr marL="354013"/>
+            <a:r>
+              <a:rPr lang="en-US" sz="1600" noProof="1">
+                <a:solidFill>
+                  <a:srgbClr val="00B050"/>
+                </a:solidFill>
+              </a:rPr>
+              <a:t>            [  { sampleRequirement }  ]</a:t>
+            </a:r>
+          </a:p>
+          <a:p>
+            <a:pPr marL="354013"/>
+            <a:r>
+              <a:rPr lang="en-US" sz="1600" noProof="1">
+                <a:solidFill>
+                  <a:srgbClr val="00B050"/>
+                </a:solidFill>
+              </a:rPr>
+              <a:t>     }</a:t>
+            </a:r>
+          </a:p>
+          <a:p>
+            <a:pPr marL="354013"/>
+            <a:r>
+              <a:rPr lang="en-US" sz="1600" noProof="1">
+                <a:solidFill>
+                  <a:srgbClr val="00B050"/>
+                </a:solidFill>
+              </a:rPr>
+              <a:t> ]</a:t>
+            </a:r>
+          </a:p>
+          <a:p>
+            <a:pPr marL="354013"/>
+            <a:r>
+              <a:rPr lang="en-US" sz="1600" noProof="1">
+                <a:solidFill>
+                  <a:srgbClr val="0070C0"/>
+                </a:solidFill>
+              </a:rPr>
+              <a:t>code: </a:t>
+            </a:r>
+            <a:r>
+              <a:rPr lang="en-US" sz="1600" noProof="1">
+                <a:solidFill>
+                  <a:srgbClr val="0070C0"/>
+                </a:solidFill>
+                <a:sym typeface="Wingdings" panose="05000000000000000000" pitchFamily="2" charset="2"/>
+              </a:rPr>
+              <a:t>{</a:t>
+            </a:r>
+            <a:r>
+              <a:rPr lang="en-US" sz="1600" noProof="1">
+                <a:solidFill>
                   <a:schemeClr val="tx1"/>
                 </a:solidFill>
-                <a:highlight>
-                  <a:srgbClr val="FFFF00"/>
-                </a:highlight>
-              </a:rPr>
-              <a:t>v3-ActCode</a:t>
-            </a:r>
-            <a:endParaRPr lang="en-US" sz="1600" noProof="1">
-              <a:solidFill>
-                <a:srgbClr val="0070C0"/>
-              </a:solidFill>
-              <a:highlight>
-                <a:srgbClr val="FFFF00"/>
-              </a:highlight>
-            </a:endParaRPr>
-          </a:p>
-          <a:p>
-            <a:pPr marL="452438"/>
+              </a:rPr>
+              <a:t>LOINC 2160-0</a:t>
+            </a:r>
             <a:r>
               <a:rPr lang="en-US" sz="1600" noProof="1">
                 <a:solidFill>
                   <a:srgbClr val="0070C0"/>
                 </a:solidFill>
-                <a:highlight>
-                  <a:srgbClr val="FFFF00"/>
-                </a:highlight>
-              </a:rPr>
-              <a:t>code</a:t>
-            </a:r>
+              </a:rPr>
+              <a:t>}</a:t>
+            </a:r>
+          </a:p>
+          <a:p>
+            <a:pPr marL="354013"/>
             <a:r>
               <a:rPr lang="en-US" sz="1600" noProof="1">
                 <a:solidFill>
-                  <a:schemeClr val="tx1"/>
-                </a:solidFill>
-                <a:highlight>
-                  <a:srgbClr val="FFFF00"/>
-                </a:highlight>
-              </a:rPr>
-              <a:t>: LABOE</a:t>
-            </a:r>
-          </a:p>
-          <a:p>
-            <a:pPr marL="452438"/>
-            <a:r>
-              <a:rPr lang="en-US" sz="1600" noProof="1">
-                <a:solidFill>
                   <a:srgbClr val="0070C0"/>
                 </a:solidFill>
-                <a:highlight>
-                  <a:srgbClr val="FFFF00"/>
-                </a:highlight>
-              </a:rPr>
-              <a:t>display: </a:t>
-            </a:r>
-            <a:r>
-              <a:rPr lang="en-US" sz="1600" noProof="1">
-                <a:solidFill>
-                  <a:schemeClr val="tx1"/>
-                </a:solidFill>
-                <a:highlight>
-                  <a:srgbClr val="FFFF00"/>
-                </a:highlight>
-              </a:rPr>
-              <a:t>lab order entry</a:t>
-            </a:r>
-            <a:endParaRPr lang="en-US" sz="1600" noProof="1">
-              <a:solidFill>
-                <a:srgbClr val="0070C0"/>
-              </a:solidFill>
-              <a:highlight>
-                <a:srgbClr val="FFFF00"/>
-              </a:highlight>
-            </a:endParaRPr>
-          </a:p>
-          <a:p>
-            <a:pPr marL="176213"/>
-            <a:endParaRPr lang="en-US" sz="1600" noProof="1">
-              <a:solidFill>
-                <a:srgbClr val="0070C0"/>
-              </a:solidFill>
-            </a:endParaRPr>
-          </a:p>
-          <a:p>
-            <a:pPr marL="176213"/>
-            <a:r>
-              <a:rPr lang="en-US" sz="1600" noProof="1">
-                <a:solidFill>
-                  <a:srgbClr val="0070C0"/>
-                </a:solidFill>
-              </a:rPr>
-              <a:t>action</a:t>
-            </a:r>
-          </a:p>
-          <a:p>
-            <a:pPr marL="354013"/>
-            <a:r>
-              <a:rPr lang="en-US" sz="1600" noProof="1">
-                <a:solidFill>
-                  <a:srgbClr val="0070C0"/>
-                </a:solidFill>
-              </a:rPr>
-              <a:t>code: </a:t>
-            </a:r>
-            <a:r>
-              <a:rPr lang="en-US" sz="1600" noProof="1">
-                <a:solidFill>
-                  <a:srgbClr val="0070C0"/>
-                </a:solidFill>
-                <a:sym typeface="Wingdings" panose="05000000000000000000" pitchFamily="2" charset="2"/>
-              </a:rPr>
-              <a:t>{</a:t>
-            </a:r>
-            <a:r>
-              <a:rPr lang="en-US" sz="1600" noProof="1">
-                <a:solidFill>
-                  <a:schemeClr val="tx1"/>
-                </a:solidFill>
-              </a:rPr>
-              <a:t>LOINC 2160-0</a:t>
-            </a:r>
-            <a:r>
-              <a:rPr lang="en-US" sz="1600" noProof="1">
-                <a:solidFill>
-                  <a:srgbClr val="0070C0"/>
-                </a:solidFill>
-              </a:rPr>
-              <a:t>}</a:t>
-            </a:r>
-          </a:p>
-          <a:p>
-            <a:pPr marL="354013"/>
-            <a:r>
-              <a:rPr lang="en-US" sz="1600" noProof="1">
-                <a:solidFill>
-                  <a:srgbClr val="0070C0"/>
-                </a:solidFill>
-              </a:rPr>
-              <a:t>groupingBehavior = logical-group</a:t>
-            </a:r>
-          </a:p>
-          <a:p>
-            <a:pPr marL="354013"/>
-            <a:r>
-              <a:rPr lang="en-US" sz="1600" noProof="1">
-                <a:solidFill>
-                  <a:srgbClr val="0070C0"/>
-                </a:solidFill>
-              </a:rPr>
-              <a:t>selectionBehavior = at-most-one</a:t>
-            </a:r>
-          </a:p>
-          <a:p>
-            <a:pPr marL="354013"/>
-            <a:r>
-              <a:rPr lang="en-US" sz="1600" noProof="1">
-                <a:solidFill>
-                  <a:srgbClr val="0070C0"/>
-                </a:solidFill>
-              </a:rPr>
-              <a:t>action </a:t>
-            </a:r>
-          </a:p>
-          <a:p>
-            <a:pPr marL="628650"/>
-            <a:r>
-              <a:rPr lang="en-US" sz="1600" noProof="1">
-                <a:solidFill>
-                  <a:srgbClr val="0070C0"/>
-                </a:solidFill>
               </a:rPr>
               <a:t>definitionCanonical</a:t>
             </a:r>
           </a:p>
-          <a:p>
-            <a:pPr marL="354013"/>
-            <a:r>
-              <a:rPr lang="en-US" sz="1600" noProof="1">
-                <a:solidFill>
-                  <a:srgbClr val="0070C0"/>
-                </a:solidFill>
-              </a:rPr>
-              <a:t>action </a:t>
-            </a:r>
-          </a:p>
-          <a:p>
-            <a:pPr marL="628650"/>
-            <a:r>
-              <a:rPr lang="en-US" sz="1600" noProof="1">
-                <a:solidFill>
-                  <a:srgbClr val="0070C0"/>
-                </a:solidFill>
-              </a:rPr>
-              <a:t>definitionCanonical</a:t>
-            </a:r>
-          </a:p>
-        </p:txBody>
-      </p:sp>
-      <p:sp>
-        <p:nvSpPr>
-          <p:cNvPr id="29" name="ZoneTexte 28">
-            <a:extLst>
-              <a:ext uri="{FF2B5EF4-FFF2-40B4-BE49-F238E27FC236}">
-                <a16:creationId xmlns:a16="http://schemas.microsoft.com/office/drawing/2014/main" id="{314EAE70-5136-41CD-BD4C-891D23BEAC81}"/>
+        </p:txBody>
+      </p:sp>
+      <p:sp>
+        <p:nvSpPr>
+          <p:cNvPr id="40" name="ZoneTexte 39">
+            <a:extLst>
+              <a:ext uri="{FF2B5EF4-FFF2-40B4-BE49-F238E27FC236}">
+                <a16:creationId xmlns:a16="http://schemas.microsoft.com/office/drawing/2014/main" id="{F36194CC-CFE9-4D3C-B8D1-39191488EFDB}"/>
               </a:ext>
             </a:extLst>
           </p:cNvPr>
@@ -4834,10 +4739,10 @@
       </p:sp>
       <p:sp>
         <p:nvSpPr>
-          <p:cNvPr id="17" name="Rectangle : coins arrondis 16">
-            <a:extLst>
-              <a:ext uri="{FF2B5EF4-FFF2-40B4-BE49-F238E27FC236}">
-                <a16:creationId xmlns:a16="http://schemas.microsoft.com/office/drawing/2014/main" id="{D177948D-B0D4-4862-BFFC-016079FD0C0D}"/>
+          <p:cNvPr id="41" name="Rectangle : coins arrondis 40">
+            <a:extLst>
+              <a:ext uri="{FF2B5EF4-FFF2-40B4-BE49-F238E27FC236}">
+                <a16:creationId xmlns:a16="http://schemas.microsoft.com/office/drawing/2014/main" id="{2660C42D-3703-4C11-AE84-5EE70EF88CD1}"/>
               </a:ext>
             </a:extLst>
           </p:cNvPr>
@@ -4846,7 +4751,7 @@
         </p:nvSpPr>
         <p:spPr>
           <a:xfrm>
-            <a:off x="9660996" y="5999084"/>
+            <a:off x="6291048" y="3234035"/>
             <a:ext cx="2074607" cy="668594"/>
           </a:xfrm>
           <a:prstGeom prst="roundRect">
@@ -4903,259 +4808,24 @@
           </a:p>
         </p:txBody>
       </p:sp>
-      <p:sp>
-        <p:nvSpPr>
-          <p:cNvPr id="20" name="Rectangle : coins arrondis 19">
-            <a:extLst>
-              <a:ext uri="{FF2B5EF4-FFF2-40B4-BE49-F238E27FC236}">
-                <a16:creationId xmlns:a16="http://schemas.microsoft.com/office/drawing/2014/main" id="{570B8926-6024-4E4B-82C1-1BFC945FD271}"/>
-              </a:ext>
-            </a:extLst>
-          </p:cNvPr>
-          <p:cNvSpPr/>
-          <p:nvPr/>
-        </p:nvSpPr>
-        <p:spPr>
-          <a:xfrm>
-            <a:off x="6301741" y="4292110"/>
-            <a:ext cx="3161508" cy="2400207"/>
-          </a:xfrm>
-          <a:prstGeom prst="roundRect">
-            <a:avLst>
-              <a:gd name="adj" fmla="val 4813"/>
-            </a:avLst>
-          </a:prstGeom>
-          <a:noFill/>
-          <a:ln>
-            <a:solidFill>
-              <a:schemeClr val="tx1"/>
-            </a:solidFill>
-          </a:ln>
-        </p:spPr>
-        <p:style>
-          <a:lnRef idx="2">
-            <a:schemeClr val="accent1">
-              <a:shade val="50000"/>
-            </a:schemeClr>
-          </a:lnRef>
-          <a:fillRef idx="1">
-            <a:schemeClr val="accent1"/>
-          </a:fillRef>
-          <a:effectRef idx="0">
-            <a:schemeClr val="accent1"/>
-          </a:effectRef>
-          <a:fontRef idx="minor">
-            <a:schemeClr val="lt1"/>
-          </a:fontRef>
-        </p:style>
-        <p:txBody>
-          <a:bodyPr rtlCol="0" anchor="t" anchorCtr="0"/>
-          <a:lstStyle/>
-          <a:p>
-            <a:r>
-              <a:rPr lang="en-US" noProof="1">
-                <a:solidFill>
-                  <a:srgbClr val="0070C0"/>
-                </a:solidFill>
-              </a:rPr>
-              <a:t>ActivityDefinition</a:t>
-            </a:r>
-          </a:p>
-          <a:p>
-            <a:pPr marL="176213"/>
-            <a:r>
-              <a:rPr lang="en-US" sz="1600" noProof="1">
-                <a:solidFill>
-                  <a:srgbClr val="0070C0"/>
-                </a:solidFill>
-              </a:rPr>
-              <a:t>identifier: </a:t>
-            </a:r>
-            <a:r>
-              <a:rPr lang="en-US" sz="1600" noProof="1">
-                <a:solidFill>
-                  <a:schemeClr val="tx1"/>
-                </a:solidFill>
-              </a:rPr>
-              <a:t>SCCB</a:t>
-            </a:r>
-          </a:p>
-          <a:p>
-            <a:pPr marL="176213"/>
-            <a:r>
-              <a:rPr lang="en-US" sz="1600" noProof="1">
-                <a:solidFill>
-                  <a:srgbClr val="0070C0"/>
-                </a:solidFill>
-              </a:rPr>
-              <a:t>title: </a:t>
-            </a:r>
-            <a:r>
-              <a:rPr lang="en-US" sz="1600" noProof="1">
-                <a:solidFill>
-                  <a:schemeClr val="tx1"/>
-                </a:solidFill>
-              </a:rPr>
-              <a:t>serum creatinine (capillary)</a:t>
-            </a:r>
-          </a:p>
-          <a:p>
-            <a:pPr marL="176213"/>
-            <a:r>
-              <a:rPr lang="en-US" sz="1600" noProof="1">
-                <a:solidFill>
-                  <a:srgbClr val="0070C0"/>
-                </a:solidFill>
-              </a:rPr>
-              <a:t>topic: {</a:t>
-            </a:r>
-            <a:r>
-              <a:rPr lang="en-US" sz="1600" noProof="1">
-                <a:solidFill>
-                  <a:schemeClr val="tx1"/>
-                </a:solidFill>
-              </a:rPr>
-              <a:t>chemistry concept</a:t>
-            </a:r>
-            <a:r>
-              <a:rPr lang="en-US" sz="1600" noProof="1">
-                <a:solidFill>
-                  <a:srgbClr val="0070C0"/>
-                </a:solidFill>
-              </a:rPr>
-              <a:t>}</a:t>
-            </a:r>
-          </a:p>
-          <a:p>
-            <a:pPr marL="176213"/>
-            <a:r>
-              <a:rPr lang="en-US" sz="1600" noProof="1">
-                <a:solidFill>
-                  <a:srgbClr val="0070C0"/>
-                </a:solidFill>
-              </a:rPr>
-              <a:t>kind: </a:t>
-            </a:r>
-            <a:r>
-              <a:rPr lang="en-US" sz="1600" noProof="1">
-                <a:solidFill>
-                  <a:schemeClr val="tx1"/>
-                </a:solidFill>
-              </a:rPr>
-              <a:t>ServiceRequest</a:t>
-            </a:r>
-          </a:p>
-          <a:p>
-            <a:pPr marL="176213"/>
-            <a:r>
-              <a:rPr lang="en-US" sz="1600" noProof="1">
-                <a:solidFill>
-                  <a:srgbClr val="0070C0"/>
-                </a:solidFill>
-              </a:rPr>
-              <a:t>code</a:t>
-            </a:r>
-            <a:r>
-              <a:rPr lang="en-US" sz="1600" noProof="1">
-                <a:solidFill>
-                  <a:schemeClr val="tx1"/>
-                </a:solidFill>
-              </a:rPr>
-              <a:t>: </a:t>
-            </a:r>
-            <a:r>
-              <a:rPr lang="en-US" sz="1600" noProof="1">
-                <a:solidFill>
-                  <a:srgbClr val="0070C0"/>
-                </a:solidFill>
-                <a:sym typeface="Wingdings" panose="05000000000000000000" pitchFamily="2" charset="2"/>
-              </a:rPr>
-              <a:t>{</a:t>
-            </a:r>
-            <a:r>
-              <a:rPr lang="en-US" sz="1600" noProof="1">
-                <a:solidFill>
-                  <a:schemeClr val="tx1"/>
-                </a:solidFill>
-              </a:rPr>
-              <a:t>LOINC 2160-0</a:t>
-            </a:r>
-            <a:r>
-              <a:rPr lang="en-US" sz="1600" noProof="1">
-                <a:solidFill>
-                  <a:srgbClr val="0070C0"/>
-                </a:solidFill>
-              </a:rPr>
-              <a:t>}</a:t>
-            </a:r>
-            <a:endParaRPr lang="en-US" sz="1600" noProof="1">
-              <a:solidFill>
-                <a:schemeClr val="tx1"/>
-              </a:solidFill>
-            </a:endParaRPr>
-          </a:p>
-          <a:p>
-            <a:pPr marL="176213"/>
-            <a:r>
-              <a:rPr lang="en-US" sz="1600" noProof="1">
-                <a:solidFill>
-                  <a:srgbClr val="0070C0"/>
-                </a:solidFill>
-              </a:rPr>
-              <a:t>location: </a:t>
-            </a:r>
-            <a:r>
-              <a:rPr lang="en-US" sz="1600" noProof="1">
-                <a:solidFill>
-                  <a:schemeClr val="tx1"/>
-                </a:solidFill>
-              </a:rPr>
-              <a:t>sector chem 2</a:t>
-            </a:r>
-          </a:p>
-          <a:p>
-            <a:pPr marL="176213"/>
-            <a:r>
-              <a:rPr lang="en-US" sz="1600" noProof="1">
-                <a:solidFill>
-                  <a:srgbClr val="0070C0"/>
-                </a:solidFill>
-              </a:rPr>
-              <a:t>specimenRequirement</a:t>
-            </a:r>
-          </a:p>
-          <a:p>
-            <a:pPr marL="176213"/>
-            <a:r>
-              <a:rPr lang="en-US" sz="1600" noProof="1">
-                <a:solidFill>
-                  <a:srgbClr val="0070C0"/>
-                </a:solidFill>
-              </a:rPr>
-              <a:t>observationResultRequirement </a:t>
-            </a:r>
-          </a:p>
-        </p:txBody>
-      </p:sp>
       <p:cxnSp>
         <p:nvCxnSpPr>
-          <p:cNvPr id="25" name="Connecteur droit avec flèche 24">
-            <a:extLst>
-              <a:ext uri="{FF2B5EF4-FFF2-40B4-BE49-F238E27FC236}">
-                <a16:creationId xmlns:a16="http://schemas.microsoft.com/office/drawing/2014/main" id="{CBB6E358-1769-4D5C-B79F-A865CDB76ECD}"/>
+          <p:cNvPr id="42" name="Connecteur droit avec flèche 41">
+            <a:extLst>
+              <a:ext uri="{FF2B5EF4-FFF2-40B4-BE49-F238E27FC236}">
+                <a16:creationId xmlns:a16="http://schemas.microsoft.com/office/drawing/2014/main" id="{CBADE3BE-073C-4377-B439-F9B64BCE077A}"/>
               </a:ext>
             </a:extLst>
           </p:cNvPr>
           <p:cNvCxnSpPr>
             <a:cxnSpLocks/>
-            <a:endCxn id="24" idx="1"/>
           </p:cNvCxnSpPr>
           <p:nvPr/>
         </p:nvCxnSpPr>
         <p:spPr>
           <a:xfrm flipV="1">
-            <a:off x="9237306" y="5008230"/>
-            <a:ext cx="467335" cy="1552324"/>
+            <a:off x="5135217" y="5463450"/>
+            <a:ext cx="1155831" cy="784950"/>
           </a:xfrm>
           <a:prstGeom prst="straightConnector1">
             <a:avLst/>
@@ -5184,253 +4854,10 @@
       </p:cxnSp>
       <p:cxnSp>
         <p:nvCxnSpPr>
-          <p:cNvPr id="32" name="Connecteur droit avec flèche 31">
-            <a:extLst>
-              <a:ext uri="{FF2B5EF4-FFF2-40B4-BE49-F238E27FC236}">
-                <a16:creationId xmlns:a16="http://schemas.microsoft.com/office/drawing/2014/main" id="{5C16FB47-E756-4E28-AE31-E2C55FBFB6FE}"/>
-              </a:ext>
-            </a:extLst>
-          </p:cNvPr>
-          <p:cNvCxnSpPr>
-            <a:cxnSpLocks/>
-          </p:cNvCxnSpPr>
-          <p:nvPr/>
-        </p:nvCxnSpPr>
-        <p:spPr>
-          <a:xfrm flipV="1">
-            <a:off x="4963886" y="5463450"/>
-            <a:ext cx="1327162" cy="993334"/>
-          </a:xfrm>
-          <a:prstGeom prst="straightConnector1">
-            <a:avLst/>
-          </a:prstGeom>
-          <a:ln>
-            <a:solidFill>
-              <a:schemeClr val="tx1"/>
-            </a:solidFill>
-            <a:tailEnd type="triangle" w="lg" len="lg"/>
-          </a:ln>
-        </p:spPr>
-        <p:style>
-          <a:lnRef idx="1">
-            <a:schemeClr val="accent1"/>
-          </a:lnRef>
-          <a:fillRef idx="0">
-            <a:schemeClr val="accent1"/>
-          </a:fillRef>
-          <a:effectRef idx="0">
-            <a:schemeClr val="accent1"/>
-          </a:effectRef>
-          <a:fontRef idx="minor">
-            <a:schemeClr val="tx1"/>
-          </a:fontRef>
-        </p:style>
-      </p:cxnSp>
-      <p:sp>
-        <p:nvSpPr>
-          <p:cNvPr id="18" name="Accolade ouvrante 17">
-            <a:extLst>
-              <a:ext uri="{FF2B5EF4-FFF2-40B4-BE49-F238E27FC236}">
-                <a16:creationId xmlns:a16="http://schemas.microsoft.com/office/drawing/2014/main" id="{09566427-24A2-4644-9972-E47C0A7866A2}"/>
-              </a:ext>
-            </a:extLst>
-          </p:cNvPr>
-          <p:cNvSpPr/>
-          <p:nvPr/>
-        </p:nvSpPr>
-        <p:spPr>
-          <a:xfrm>
-            <a:off x="1879718" y="5164371"/>
-            <a:ext cx="324464" cy="1361069"/>
-          </a:xfrm>
-          <a:prstGeom prst="leftBrace">
-            <a:avLst>
-              <a:gd name="adj1" fmla="val 35919"/>
-              <a:gd name="adj2" fmla="val 50000"/>
-            </a:avLst>
-          </a:prstGeom>
-          <a:ln>
-            <a:solidFill>
-              <a:schemeClr val="accent2">
-                <a:lumMod val="50000"/>
-              </a:schemeClr>
-            </a:solidFill>
-          </a:ln>
-        </p:spPr>
-        <p:style>
-          <a:lnRef idx="1">
-            <a:schemeClr val="accent1"/>
-          </a:lnRef>
-          <a:fillRef idx="0">
-            <a:schemeClr val="accent1"/>
-          </a:fillRef>
-          <a:effectRef idx="0">
-            <a:schemeClr val="accent1"/>
-          </a:effectRef>
-          <a:fontRef idx="minor">
-            <a:schemeClr val="tx1"/>
-          </a:fontRef>
-        </p:style>
-        <p:txBody>
-          <a:bodyPr rtlCol="0" anchor="ctr"/>
-          <a:lstStyle/>
-          <a:p>
-            <a:pPr algn="ctr"/>
-            <a:endParaRPr lang="en-US" noProof="1"/>
-          </a:p>
-        </p:txBody>
-      </p:sp>
-      <p:sp>
-        <p:nvSpPr>
-          <p:cNvPr id="19" name="ZoneTexte 18">
-            <a:extLst>
-              <a:ext uri="{FF2B5EF4-FFF2-40B4-BE49-F238E27FC236}">
-                <a16:creationId xmlns:a16="http://schemas.microsoft.com/office/drawing/2014/main" id="{A0A0E090-56CD-48E8-82D4-CF9C40841681}"/>
-              </a:ext>
-            </a:extLst>
-          </p:cNvPr>
-          <p:cNvSpPr txBox="1"/>
-          <p:nvPr/>
-        </p:nvSpPr>
-        <p:spPr>
-          <a:xfrm>
-            <a:off x="490743" y="5410051"/>
-            <a:ext cx="1486725" cy="923330"/>
-          </a:xfrm>
-          <a:prstGeom prst="rect">
-            <a:avLst/>
-          </a:prstGeom>
-          <a:noFill/>
-        </p:spPr>
-        <p:txBody>
-          <a:bodyPr wrap="square" rtlCol="0">
-            <a:spAutoFit/>
-          </a:bodyPr>
-          <a:lstStyle/>
-          <a:p>
-            <a:r>
-              <a:rPr lang="en-US" noProof="1">
-                <a:solidFill>
-                  <a:schemeClr val="accent2">
-                    <a:lumMod val="50000"/>
-                  </a:schemeClr>
-                </a:solidFill>
-              </a:rPr>
-              <a:t>Group exclusive OR</a:t>
-            </a:r>
-          </a:p>
-          <a:p>
-            <a:r>
-              <a:rPr lang="en-US" noProof="1">
-                <a:solidFill>
-                  <a:schemeClr val="accent2">
-                    <a:lumMod val="50000"/>
-                  </a:schemeClr>
-                </a:solidFill>
-              </a:rPr>
-              <a:t>(XOR)</a:t>
-            </a:r>
-          </a:p>
-        </p:txBody>
-      </p:sp>
-      <p:cxnSp>
-        <p:nvCxnSpPr>
-          <p:cNvPr id="21" name="Connecteur droit 20">
-            <a:extLst>
-              <a:ext uri="{FF2B5EF4-FFF2-40B4-BE49-F238E27FC236}">
-                <a16:creationId xmlns:a16="http://schemas.microsoft.com/office/drawing/2014/main" id="{39CD9B09-4335-4434-B494-E672B4C5DC95}"/>
-              </a:ext>
-            </a:extLst>
-          </p:cNvPr>
-          <p:cNvCxnSpPr>
-            <a:cxnSpLocks/>
-          </p:cNvCxnSpPr>
-          <p:nvPr/>
-        </p:nvCxnSpPr>
-        <p:spPr>
-          <a:xfrm>
-            <a:off x="2288748" y="5164371"/>
-            <a:ext cx="755855" cy="0"/>
-          </a:xfrm>
-          <a:prstGeom prst="line">
-            <a:avLst/>
-          </a:prstGeom>
-          <a:ln w="12700">
-            <a:solidFill>
-              <a:schemeClr val="accent2">
-                <a:lumMod val="50000"/>
-              </a:schemeClr>
-            </a:solidFill>
-            <a:prstDash val="dash"/>
-          </a:ln>
-        </p:spPr>
-        <p:style>
-          <a:lnRef idx="1">
-            <a:schemeClr val="accent1"/>
-          </a:lnRef>
-          <a:fillRef idx="0">
-            <a:schemeClr val="accent1"/>
-          </a:fillRef>
-          <a:effectRef idx="0">
-            <a:schemeClr val="accent1"/>
-          </a:effectRef>
-          <a:fontRef idx="minor">
-            <a:schemeClr val="tx1"/>
-          </a:fontRef>
-        </p:style>
-      </p:cxnSp>
-      <p:cxnSp>
-        <p:nvCxnSpPr>
-          <p:cNvPr id="22" name="Connecteur droit 21">
-            <a:extLst>
-              <a:ext uri="{FF2B5EF4-FFF2-40B4-BE49-F238E27FC236}">
-                <a16:creationId xmlns:a16="http://schemas.microsoft.com/office/drawing/2014/main" id="{D00E0C85-143B-443D-B910-EFA87E0A1D22}"/>
-              </a:ext>
-            </a:extLst>
-          </p:cNvPr>
-          <p:cNvCxnSpPr>
-            <a:cxnSpLocks/>
-          </p:cNvCxnSpPr>
-          <p:nvPr/>
-        </p:nvCxnSpPr>
-        <p:spPr>
-          <a:xfrm>
-            <a:off x="2266625" y="6525440"/>
-            <a:ext cx="755855" cy="0"/>
-          </a:xfrm>
-          <a:prstGeom prst="line">
-            <a:avLst/>
-          </a:prstGeom>
-          <a:ln w="12700">
-            <a:solidFill>
-              <a:schemeClr val="accent2">
-                <a:lumMod val="50000"/>
-              </a:schemeClr>
-            </a:solidFill>
-            <a:prstDash val="dash"/>
-          </a:ln>
-        </p:spPr>
-        <p:style>
-          <a:lnRef idx="1">
-            <a:schemeClr val="accent1"/>
-          </a:lnRef>
-          <a:fillRef idx="0">
-            <a:schemeClr val="accent1"/>
-          </a:fillRef>
-          <a:effectRef idx="0">
-            <a:schemeClr val="accent1"/>
-          </a:effectRef>
-          <a:fontRef idx="minor">
-            <a:schemeClr val="tx1"/>
-          </a:fontRef>
-        </p:style>
-      </p:cxnSp>
-      <p:cxnSp>
-        <p:nvCxnSpPr>
-          <p:cNvPr id="30" name="Connecteur droit avec flèche 29">
-            <a:extLst>
-              <a:ext uri="{FF2B5EF4-FFF2-40B4-BE49-F238E27FC236}">
-                <a16:creationId xmlns:a16="http://schemas.microsoft.com/office/drawing/2014/main" id="{749F2BEB-833F-489B-94BD-7CD95F6DE7EC}"/>
+          <p:cNvPr id="43" name="Connecteur droit avec flèche 42">
+            <a:extLst>
+              <a:ext uri="{FF2B5EF4-FFF2-40B4-BE49-F238E27FC236}">
+                <a16:creationId xmlns:a16="http://schemas.microsoft.com/office/drawing/2014/main" id="{640049E7-CDAE-412D-9B33-B69CAA70D467}"/>
               </a:ext>
             </a:extLst>
           </p:cNvPr>
@@ -5471,10 +4898,10 @@
       </p:cxnSp>
       <p:sp>
         <p:nvSpPr>
-          <p:cNvPr id="33" name="Rectangle : coins arrondis 32">
-            <a:extLst>
-              <a:ext uri="{FF2B5EF4-FFF2-40B4-BE49-F238E27FC236}">
-                <a16:creationId xmlns:a16="http://schemas.microsoft.com/office/drawing/2014/main" id="{CD807DC3-FE6E-433B-AB28-C557BA758A4F}"/>
+          <p:cNvPr id="44" name="Rectangle : coins arrondis 43">
+            <a:extLst>
+              <a:ext uri="{FF2B5EF4-FFF2-40B4-BE49-F238E27FC236}">
+                <a16:creationId xmlns:a16="http://schemas.microsoft.com/office/drawing/2014/main" id="{DDE71F7A-89BA-48B8-9BC9-5C2C440512E7}"/>
               </a:ext>
             </a:extLst>
           </p:cNvPr>

--- a/input/images-source/LabExampleE4Technical.pptx
+++ b/input/images-source/LabExampleE4Technical.pptx
@@ -197,7 +197,7 @@
           <a:p>
             <a:fld id="{567555BC-1E79-452F-9C1B-714B0951F390}" type="datetimeFigureOut">
               <a:rPr lang="fr-FR" smtClean="0"/>
-              <a:t>08/06/2020</a:t>
+              <a:t>09/06/2020</a:t>
             </a:fld>
             <a:endParaRPr lang="fr-FR"/>
           </a:p>
@@ -695,7 +695,7 @@
           <a:p>
             <a:fld id="{8BCF6F66-F8B5-42A7-8BF1-80240DF56CB0}" type="datetimeFigureOut">
               <a:rPr lang="fr-FR" smtClean="0"/>
-              <a:t>08/06/2020</a:t>
+              <a:t>09/06/2020</a:t>
             </a:fld>
             <a:endParaRPr lang="fr-FR"/>
           </a:p>
@@ -893,7 +893,7 @@
           <a:p>
             <a:fld id="{8BCF6F66-F8B5-42A7-8BF1-80240DF56CB0}" type="datetimeFigureOut">
               <a:rPr lang="fr-FR" smtClean="0"/>
-              <a:t>08/06/2020</a:t>
+              <a:t>09/06/2020</a:t>
             </a:fld>
             <a:endParaRPr lang="fr-FR"/>
           </a:p>
@@ -1101,7 +1101,7 @@
           <a:p>
             <a:fld id="{8BCF6F66-F8B5-42A7-8BF1-80240DF56CB0}" type="datetimeFigureOut">
               <a:rPr lang="fr-FR" smtClean="0"/>
-              <a:t>08/06/2020</a:t>
+              <a:t>09/06/2020</a:t>
             </a:fld>
             <a:endParaRPr lang="fr-FR"/>
           </a:p>
@@ -1299,7 +1299,7 @@
           <a:p>
             <a:fld id="{8BCF6F66-F8B5-42A7-8BF1-80240DF56CB0}" type="datetimeFigureOut">
               <a:rPr lang="fr-FR" smtClean="0"/>
-              <a:t>08/06/2020</a:t>
+              <a:t>09/06/2020</a:t>
             </a:fld>
             <a:endParaRPr lang="fr-FR"/>
           </a:p>
@@ -1574,7 +1574,7 @@
           <a:p>
             <a:fld id="{8BCF6F66-F8B5-42A7-8BF1-80240DF56CB0}" type="datetimeFigureOut">
               <a:rPr lang="fr-FR" smtClean="0"/>
-              <a:t>08/06/2020</a:t>
+              <a:t>09/06/2020</a:t>
             </a:fld>
             <a:endParaRPr lang="fr-FR"/>
           </a:p>
@@ -1839,7 +1839,7 @@
           <a:p>
             <a:fld id="{8BCF6F66-F8B5-42A7-8BF1-80240DF56CB0}" type="datetimeFigureOut">
               <a:rPr lang="fr-FR" smtClean="0"/>
-              <a:t>08/06/2020</a:t>
+              <a:t>09/06/2020</a:t>
             </a:fld>
             <a:endParaRPr lang="fr-FR"/>
           </a:p>
@@ -2251,7 +2251,7 @@
           <a:p>
             <a:fld id="{8BCF6F66-F8B5-42A7-8BF1-80240DF56CB0}" type="datetimeFigureOut">
               <a:rPr lang="fr-FR" smtClean="0"/>
-              <a:t>08/06/2020</a:t>
+              <a:t>09/06/2020</a:t>
             </a:fld>
             <a:endParaRPr lang="fr-FR"/>
           </a:p>
@@ -2392,7 +2392,7 @@
           <a:p>
             <a:fld id="{8BCF6F66-F8B5-42A7-8BF1-80240DF56CB0}" type="datetimeFigureOut">
               <a:rPr lang="fr-FR" smtClean="0"/>
-              <a:t>08/06/2020</a:t>
+              <a:t>09/06/2020</a:t>
             </a:fld>
             <a:endParaRPr lang="fr-FR"/>
           </a:p>
@@ -2505,7 +2505,7 @@
           <a:p>
             <a:fld id="{8BCF6F66-F8B5-42A7-8BF1-80240DF56CB0}" type="datetimeFigureOut">
               <a:rPr lang="fr-FR" smtClean="0"/>
-              <a:t>08/06/2020</a:t>
+              <a:t>09/06/2020</a:t>
             </a:fld>
             <a:endParaRPr lang="fr-FR"/>
           </a:p>
@@ -2816,7 +2816,7 @@
           <a:p>
             <a:fld id="{8BCF6F66-F8B5-42A7-8BF1-80240DF56CB0}" type="datetimeFigureOut">
               <a:rPr lang="fr-FR" smtClean="0"/>
-              <a:t>08/06/2020</a:t>
+              <a:t>09/06/2020</a:t>
             </a:fld>
             <a:endParaRPr lang="fr-FR"/>
           </a:p>
@@ -3104,7 +3104,7 @@
           <a:p>
             <a:fld id="{8BCF6F66-F8B5-42A7-8BF1-80240DF56CB0}" type="datetimeFigureOut">
               <a:rPr lang="fr-FR" smtClean="0"/>
-              <a:t>08/06/2020</a:t>
+              <a:t>09/06/2020</a:t>
             </a:fld>
             <a:endParaRPr lang="fr-FR"/>
           </a:p>
@@ -3345,7 +3345,7 @@
           <a:p>
             <a:fld id="{8BCF6F66-F8B5-42A7-8BF1-80240DF56CB0}" type="datetimeFigureOut">
               <a:rPr lang="fr-FR" smtClean="0"/>
-              <a:t>08/06/2020</a:t>
+              <a:t>09/06/2020</a:t>
             </a:fld>
             <a:endParaRPr lang="fr-FR"/>
           </a:p>
@@ -3764,10 +3764,10 @@
       </p:grpSpPr>
       <p:sp>
         <p:nvSpPr>
-          <p:cNvPr id="23" name="Rectangle : coins arrondis 22">
-            <a:extLst>
-              <a:ext uri="{FF2B5EF4-FFF2-40B4-BE49-F238E27FC236}">
-                <a16:creationId xmlns:a16="http://schemas.microsoft.com/office/drawing/2014/main" id="{8CF8298D-D2FD-40AB-A874-0128D23338E0}"/>
+          <p:cNvPr id="14" name="Rectangle : coins arrondis 13">
+            <a:extLst>
+              <a:ext uri="{FF2B5EF4-FFF2-40B4-BE49-F238E27FC236}">
+                <a16:creationId xmlns:a16="http://schemas.microsoft.com/office/drawing/2014/main" id="{29FD789E-5DC2-4F77-8D9C-05567FD55A8C}"/>
               </a:ext>
             </a:extLst>
           </p:cNvPr>
@@ -3776,7 +3776,7 @@
         </p:nvSpPr>
         <p:spPr>
           <a:xfrm>
-            <a:off x="6291048" y="4282359"/>
+            <a:off x="6286416" y="3665603"/>
             <a:ext cx="3161508" cy="2118091"/>
           </a:xfrm>
           <a:prstGeom prst="roundRect">
@@ -3987,10 +3987,10 @@
       </p:sp>
       <p:sp>
         <p:nvSpPr>
-          <p:cNvPr id="27" name="Rectangle : coins arrondis 26">
-            <a:extLst>
-              <a:ext uri="{FF2B5EF4-FFF2-40B4-BE49-F238E27FC236}">
-                <a16:creationId xmlns:a16="http://schemas.microsoft.com/office/drawing/2014/main" id="{3F104D40-D615-47E2-81AF-8C75FA47C2DB}"/>
+          <p:cNvPr id="15" name="Rectangle : coins arrondis 14">
+            <a:extLst>
+              <a:ext uri="{FF2B5EF4-FFF2-40B4-BE49-F238E27FC236}">
+                <a16:creationId xmlns:a16="http://schemas.microsoft.com/office/drawing/2014/main" id="{C91ED5CA-8F22-465B-8E0D-765642A0C8C9}"/>
               </a:ext>
             </a:extLst>
           </p:cNvPr>
@@ -3999,7 +3999,7 @@
         </p:nvSpPr>
         <p:spPr>
           <a:xfrm>
-            <a:off x="6291048" y="1152835"/>
+            <a:off x="6286416" y="1900584"/>
             <a:ext cx="2074607" cy="668594"/>
           </a:xfrm>
           <a:prstGeom prst="roundRect">
@@ -4058,10 +4058,10 @@
       </p:sp>
       <p:sp>
         <p:nvSpPr>
-          <p:cNvPr id="34" name="Rectangle : coins arrondis 33">
-            <a:extLst>
-              <a:ext uri="{FF2B5EF4-FFF2-40B4-BE49-F238E27FC236}">
-                <a16:creationId xmlns:a16="http://schemas.microsoft.com/office/drawing/2014/main" id="{767D7B21-A30E-42F0-9BC8-8C7679578062}"/>
+          <p:cNvPr id="16" name="Rectangle : coins arrondis 15">
+            <a:extLst>
+              <a:ext uri="{FF2B5EF4-FFF2-40B4-BE49-F238E27FC236}">
+                <a16:creationId xmlns:a16="http://schemas.microsoft.com/office/drawing/2014/main" id="{694F658E-0C79-45C2-98AD-68B0E9F42A20}"/>
               </a:ext>
             </a:extLst>
           </p:cNvPr>
@@ -4070,7 +4070,7 @@
         </p:nvSpPr>
         <p:spPr>
           <a:xfrm>
-            <a:off x="9670295" y="5490010"/>
+            <a:off x="9630346" y="4873254"/>
             <a:ext cx="2320211" cy="910440"/>
           </a:xfrm>
           <a:prstGeom prst="roundRect">
@@ -4129,22 +4129,22 @@
       </p:sp>
       <p:cxnSp>
         <p:nvCxnSpPr>
-          <p:cNvPr id="35" name="Connecteur droit avec flèche 34">
-            <a:extLst>
-              <a:ext uri="{FF2B5EF4-FFF2-40B4-BE49-F238E27FC236}">
-                <a16:creationId xmlns:a16="http://schemas.microsoft.com/office/drawing/2014/main" id="{BF9DA26C-B11C-4C56-A399-229167D80D5C}"/>
+          <p:cNvPr id="17" name="Connecteur droit avec flèche 16">
+            <a:extLst>
+              <a:ext uri="{FF2B5EF4-FFF2-40B4-BE49-F238E27FC236}">
+                <a16:creationId xmlns:a16="http://schemas.microsoft.com/office/drawing/2014/main" id="{D5478B76-E714-4CF8-922A-083F8392B0B1}"/>
               </a:ext>
             </a:extLst>
           </p:cNvPr>
           <p:cNvCxnSpPr>
             <a:cxnSpLocks/>
-            <a:endCxn id="34" idx="1"/>
+            <a:endCxn id="16" idx="1"/>
           </p:cNvCxnSpPr>
           <p:nvPr/>
         </p:nvCxnSpPr>
         <p:spPr>
           <a:xfrm flipV="1">
-            <a:off x="9384528" y="5945230"/>
+            <a:off x="9344579" y="5328474"/>
             <a:ext cx="285767" cy="233262"/>
           </a:xfrm>
           <a:prstGeom prst="straightConnector1">
@@ -4174,23 +4174,23 @@
       </p:cxnSp>
       <p:cxnSp>
         <p:nvCxnSpPr>
-          <p:cNvPr id="36" name="Connecteur droit avec flèche 35">
-            <a:extLst>
-              <a:ext uri="{FF2B5EF4-FFF2-40B4-BE49-F238E27FC236}">
-                <a16:creationId xmlns:a16="http://schemas.microsoft.com/office/drawing/2014/main" id="{AD5D88D6-483F-45C4-BD6A-6523B0F5E0B2}"/>
+          <p:cNvPr id="18" name="Connecteur droit avec flèche 17">
+            <a:extLst>
+              <a:ext uri="{FF2B5EF4-FFF2-40B4-BE49-F238E27FC236}">
+                <a16:creationId xmlns:a16="http://schemas.microsoft.com/office/drawing/2014/main" id="{43478A0E-9408-4101-9CCC-3CD95D39F7B6}"/>
               </a:ext>
             </a:extLst>
           </p:cNvPr>
           <p:cNvCxnSpPr>
             <a:cxnSpLocks/>
-            <a:endCxn id="27" idx="1"/>
+            <a:endCxn id="15" idx="1"/>
           </p:cNvCxnSpPr>
           <p:nvPr/>
         </p:nvCxnSpPr>
         <p:spPr>
           <a:xfrm flipV="1">
-            <a:off x="5546035" y="1487132"/>
-            <a:ext cx="745013" cy="2691650"/>
+            <a:off x="5707055" y="2234881"/>
+            <a:ext cx="579361" cy="2105206"/>
           </a:xfrm>
           <a:prstGeom prst="straightConnector1">
             <a:avLst/>
@@ -4219,23 +4219,23 @@
       </p:cxnSp>
       <p:cxnSp>
         <p:nvCxnSpPr>
-          <p:cNvPr id="37" name="Connecteur droit avec flèche 36">
-            <a:extLst>
-              <a:ext uri="{FF2B5EF4-FFF2-40B4-BE49-F238E27FC236}">
-                <a16:creationId xmlns:a16="http://schemas.microsoft.com/office/drawing/2014/main" id="{837096D7-2BB3-4610-85B4-14C886BE1059}"/>
+          <p:cNvPr id="19" name="Connecteur droit avec flèche 18">
+            <a:extLst>
+              <a:ext uri="{FF2B5EF4-FFF2-40B4-BE49-F238E27FC236}">
+                <a16:creationId xmlns:a16="http://schemas.microsoft.com/office/drawing/2014/main" id="{6B8EC1E1-A6A7-41BA-BB4B-F33D810BE167}"/>
               </a:ext>
             </a:extLst>
           </p:cNvPr>
           <p:cNvCxnSpPr>
             <a:cxnSpLocks/>
-            <a:endCxn id="41" idx="1"/>
+            <a:endCxn id="22" idx="1"/>
           </p:cNvCxnSpPr>
           <p:nvPr/>
         </p:nvCxnSpPr>
         <p:spPr>
           <a:xfrm flipV="1">
-            <a:off x="5546035" y="3568332"/>
-            <a:ext cx="745013" cy="1618965"/>
+            <a:off x="5711687" y="3134990"/>
+            <a:ext cx="579361" cy="1920714"/>
           </a:xfrm>
           <a:prstGeom prst="straightConnector1">
             <a:avLst/>
@@ -4264,10 +4264,10 @@
       </p:cxnSp>
       <p:sp>
         <p:nvSpPr>
-          <p:cNvPr id="39" name="Rectangle : coins arrondis 38">
-            <a:extLst>
-              <a:ext uri="{FF2B5EF4-FFF2-40B4-BE49-F238E27FC236}">
-                <a16:creationId xmlns:a16="http://schemas.microsoft.com/office/drawing/2014/main" id="{14146D43-8BCB-452F-A62E-1621C035F5F0}"/>
+          <p:cNvPr id="20" name="Rectangle : coins arrondis 19">
+            <a:extLst>
+              <a:ext uri="{FF2B5EF4-FFF2-40B4-BE49-F238E27FC236}">
+                <a16:creationId xmlns:a16="http://schemas.microsoft.com/office/drawing/2014/main" id="{5F7F6191-7984-43F9-BA2A-4DDFBCE5B722}"/>
               </a:ext>
             </a:extLst>
           </p:cNvPr>
@@ -4276,8 +4276,8 @@
         </p:nvSpPr>
         <p:spPr>
           <a:xfrm>
-            <a:off x="2521705" y="833093"/>
-            <a:ext cx="3582289" cy="5554456"/>
+            <a:off x="2521705" y="654192"/>
+            <a:ext cx="3582289" cy="6024904"/>
           </a:xfrm>
           <a:prstGeom prst="roundRect">
             <a:avLst>
@@ -4549,7 +4549,7 @@
                   <a:srgbClr val="00B050"/>
                 </a:solidFill>
               </a:rPr>
-              <a:t>          exclusiveGroup 	 </a:t>
+              <a:t>          exclusiveGroup [	 </a:t>
             </a:r>
           </a:p>
           <a:p>
@@ -4560,7 +4560,7 @@
                   <a:srgbClr val="00B050"/>
                 </a:solidFill>
               </a:rPr>
-              <a:t>            [  { sampleRequirement }  ]</a:t>
+              <a:t>             { </a:t>
             </a:r>
           </a:p>
           <a:p>
@@ -4571,7 +4571,7 @@
                   <a:srgbClr val="00B050"/>
                 </a:solidFill>
               </a:rPr>
-              <a:t>    },</a:t>
+              <a:t>	     sampleRequirement  [] </a:t>
             </a:r>
           </a:p>
           <a:p>
@@ -4582,7 +4582,7 @@
                   <a:srgbClr val="00B050"/>
                 </a:solidFill>
               </a:rPr>
-              <a:t>    {</a:t>
+              <a:t>             }, </a:t>
             </a:r>
           </a:p>
           <a:p>
@@ -4593,7 +4593,7 @@
                   <a:srgbClr val="00B050"/>
                 </a:solidFill>
               </a:rPr>
-              <a:t>          exclusiveGroup 	 </a:t>
+              <a:t>             { </a:t>
             </a:r>
           </a:p>
           <a:p>
@@ -4604,7 +4604,7 @@
                   <a:srgbClr val="00B050"/>
                 </a:solidFill>
               </a:rPr>
-              <a:t>            [  { sampleRequirement }  ]</a:t>
+              <a:t>                  sampleRequirement  [] </a:t>
             </a:r>
           </a:p>
           <a:p>
@@ -4615,7 +4615,7 @@
                   <a:srgbClr val="00B050"/>
                 </a:solidFill>
               </a:rPr>
-              <a:t>     }</a:t>
+              <a:t>             }</a:t>
             </a:r>
           </a:p>
           <a:p>
@@ -4626,6 +4626,28 @@
                   <a:srgbClr val="00B050"/>
                 </a:solidFill>
               </a:rPr>
+              <a:t>         ]</a:t>
+            </a:r>
+          </a:p>
+          <a:p>
+            <a:pPr marL="354013"/>
+            <a:r>
+              <a:rPr lang="en-US" sz="1600" noProof="1">
+                <a:solidFill>
+                  <a:srgbClr val="00B050"/>
+                </a:solidFill>
+              </a:rPr>
+              <a:t>    }</a:t>
+            </a:r>
+          </a:p>
+          <a:p>
+            <a:pPr marL="354013"/>
+            <a:r>
+              <a:rPr lang="en-US" sz="1600" noProof="1">
+                <a:solidFill>
+                  <a:srgbClr val="00B050"/>
+                </a:solidFill>
+              </a:rPr>
               <a:t> ]</a:t>
             </a:r>
           </a:p>
@@ -4680,10 +4702,10 @@
       </p:sp>
       <p:sp>
         <p:nvSpPr>
-          <p:cNvPr id="40" name="ZoneTexte 39">
-            <a:extLst>
-              <a:ext uri="{FF2B5EF4-FFF2-40B4-BE49-F238E27FC236}">
-                <a16:creationId xmlns:a16="http://schemas.microsoft.com/office/drawing/2014/main" id="{F36194CC-CFE9-4D3C-B8D1-39191488EFDB}"/>
+          <p:cNvPr id="21" name="ZoneTexte 20">
+            <a:extLst>
+              <a:ext uri="{FF2B5EF4-FFF2-40B4-BE49-F238E27FC236}">
+                <a16:creationId xmlns:a16="http://schemas.microsoft.com/office/drawing/2014/main" id="{E86A3743-8449-4792-A35F-264EC3107E81}"/>
               </a:ext>
             </a:extLst>
           </p:cNvPr>
@@ -4692,7 +4714,7 @@
         </p:nvSpPr>
         <p:spPr>
           <a:xfrm>
-            <a:off x="112369" y="311440"/>
+            <a:off x="112369" y="112660"/>
             <a:ext cx="9703034" cy="461665"/>
           </a:xfrm>
           <a:prstGeom prst="rect">
@@ -4739,10 +4761,10 @@
       </p:sp>
       <p:sp>
         <p:nvSpPr>
-          <p:cNvPr id="41" name="Rectangle : coins arrondis 40">
-            <a:extLst>
-              <a:ext uri="{FF2B5EF4-FFF2-40B4-BE49-F238E27FC236}">
-                <a16:creationId xmlns:a16="http://schemas.microsoft.com/office/drawing/2014/main" id="{2660C42D-3703-4C11-AE84-5EE70EF88CD1}"/>
+          <p:cNvPr id="22" name="Rectangle : coins arrondis 21">
+            <a:extLst>
+              <a:ext uri="{FF2B5EF4-FFF2-40B4-BE49-F238E27FC236}">
+                <a16:creationId xmlns:a16="http://schemas.microsoft.com/office/drawing/2014/main" id="{F7C1A6D9-367E-408E-9AE2-03C53FCD790D}"/>
               </a:ext>
             </a:extLst>
           </p:cNvPr>
@@ -4751,7 +4773,7 @@
         </p:nvSpPr>
         <p:spPr>
           <a:xfrm>
-            <a:off x="6291048" y="3234035"/>
+            <a:off x="6291048" y="2800693"/>
             <a:ext cx="2074607" cy="668594"/>
           </a:xfrm>
           <a:prstGeom prst="roundRect">
@@ -4810,22 +4832,23 @@
       </p:sp>
       <p:cxnSp>
         <p:nvCxnSpPr>
-          <p:cNvPr id="42" name="Connecteur droit avec flèche 41">
-            <a:extLst>
-              <a:ext uri="{FF2B5EF4-FFF2-40B4-BE49-F238E27FC236}">
-                <a16:creationId xmlns:a16="http://schemas.microsoft.com/office/drawing/2014/main" id="{CBADE3BE-073C-4377-B439-F9B64BCE077A}"/>
+          <p:cNvPr id="24" name="Connecteur droit avec flèche 23">
+            <a:extLst>
+              <a:ext uri="{FF2B5EF4-FFF2-40B4-BE49-F238E27FC236}">
+                <a16:creationId xmlns:a16="http://schemas.microsoft.com/office/drawing/2014/main" id="{84742B45-67F4-4468-9654-34B017AE2E60}"/>
               </a:ext>
             </a:extLst>
           </p:cNvPr>
           <p:cNvCxnSpPr>
             <a:cxnSpLocks/>
+            <a:endCxn id="14" idx="1"/>
           </p:cNvCxnSpPr>
           <p:nvPr/>
         </p:nvCxnSpPr>
         <p:spPr>
           <a:xfrm flipV="1">
-            <a:off x="5135217" y="5463450"/>
-            <a:ext cx="1155831" cy="784950"/>
+            <a:off x="5064501" y="4724649"/>
+            <a:ext cx="1221915" cy="1832214"/>
           </a:xfrm>
           <a:prstGeom prst="straightConnector1">
             <a:avLst/>
@@ -4854,10 +4877,10 @@
       </p:cxnSp>
       <p:cxnSp>
         <p:nvCxnSpPr>
-          <p:cNvPr id="43" name="Connecteur droit avec flèche 42">
-            <a:extLst>
-              <a:ext uri="{FF2B5EF4-FFF2-40B4-BE49-F238E27FC236}">
-                <a16:creationId xmlns:a16="http://schemas.microsoft.com/office/drawing/2014/main" id="{640049E7-CDAE-412D-9B33-B69CAA70D467}"/>
+          <p:cNvPr id="25" name="Connecteur droit avec flèche 24">
+            <a:extLst>
+              <a:ext uri="{FF2B5EF4-FFF2-40B4-BE49-F238E27FC236}">
+                <a16:creationId xmlns:a16="http://schemas.microsoft.com/office/drawing/2014/main" id="{8E9BEB7A-2393-46AA-8FA6-A2AF50BACF6E}"/>
               </a:ext>
             </a:extLst>
           </p:cNvPr>
@@ -4868,7 +4891,7 @@
         </p:nvCxnSpPr>
         <p:spPr>
           <a:xfrm flipH="1">
-            <a:off x="2288748" y="1353202"/>
+            <a:off x="2288748" y="1174300"/>
             <a:ext cx="407799" cy="0"/>
           </a:xfrm>
           <a:prstGeom prst="straightConnector1">
@@ -4898,10 +4921,10 @@
       </p:cxnSp>
       <p:sp>
         <p:nvSpPr>
-          <p:cNvPr id="44" name="Rectangle : coins arrondis 43">
-            <a:extLst>
-              <a:ext uri="{FF2B5EF4-FFF2-40B4-BE49-F238E27FC236}">
-                <a16:creationId xmlns:a16="http://schemas.microsoft.com/office/drawing/2014/main" id="{DDE71F7A-89BA-48B8-9BC9-5C2C440512E7}"/>
+          <p:cNvPr id="26" name="Rectangle : coins arrondis 25">
+            <a:extLst>
+              <a:ext uri="{FF2B5EF4-FFF2-40B4-BE49-F238E27FC236}">
+                <a16:creationId xmlns:a16="http://schemas.microsoft.com/office/drawing/2014/main" id="{FB788CE5-0D2C-47F3-A102-F830065A52BA}"/>
               </a:ext>
             </a:extLst>
           </p:cNvPr>
@@ -4910,7 +4933,7 @@
         </p:nvSpPr>
         <p:spPr>
           <a:xfrm>
-            <a:off x="204073" y="833093"/>
+            <a:off x="204073" y="654191"/>
             <a:ext cx="2084675" cy="1613057"/>
           </a:xfrm>
           <a:prstGeom prst="roundRect">

--- a/input/images-source/LabExampleE4Technical.pptx
+++ b/input/images-source/LabExampleE4Technical.pptx
@@ -8,7 +8,7 @@
     <p:notesMasterId r:id="rId3"/>
   </p:notesMasterIdLst>
   <p:sldIdLst>
-    <p:sldId id="340" r:id="rId2"/>
+    <p:sldId id="342" r:id="rId2"/>
   </p:sldIdLst>
   <p:sldSz cx="12192000" cy="6858000"/>
   <p:notesSz cx="6858000" cy="9144000"/>
@@ -197,7 +197,7 @@
           <a:p>
             <a:fld id="{567555BC-1E79-452F-9C1B-714B0951F390}" type="datetimeFigureOut">
               <a:rPr lang="fr-FR" smtClean="0"/>
-              <a:t>09/06/2020</a:t>
+              <a:t>12/06/2020</a:t>
             </a:fld>
             <a:endParaRPr lang="fr-FR"/>
           </a:p>
@@ -538,7 +538,7 @@
     </p:spTree>
     <p:extLst>
       <p:ext uri="{BB962C8B-B14F-4D97-AF65-F5344CB8AC3E}">
-        <p14:creationId xmlns:p14="http://schemas.microsoft.com/office/powerpoint/2010/main" val="3604376447"/>
+        <p14:creationId xmlns:p14="http://schemas.microsoft.com/office/powerpoint/2010/main" val="3099830667"/>
       </p:ext>
     </p:extLst>
   </p:cSld>
@@ -695,7 +695,7 @@
           <a:p>
             <a:fld id="{8BCF6F66-F8B5-42A7-8BF1-80240DF56CB0}" type="datetimeFigureOut">
               <a:rPr lang="fr-FR" smtClean="0"/>
-              <a:t>09/06/2020</a:t>
+              <a:t>12/06/2020</a:t>
             </a:fld>
             <a:endParaRPr lang="fr-FR"/>
           </a:p>
@@ -893,7 +893,7 @@
           <a:p>
             <a:fld id="{8BCF6F66-F8B5-42A7-8BF1-80240DF56CB0}" type="datetimeFigureOut">
               <a:rPr lang="fr-FR" smtClean="0"/>
-              <a:t>09/06/2020</a:t>
+              <a:t>12/06/2020</a:t>
             </a:fld>
             <a:endParaRPr lang="fr-FR"/>
           </a:p>
@@ -1101,7 +1101,7 @@
           <a:p>
             <a:fld id="{8BCF6F66-F8B5-42A7-8BF1-80240DF56CB0}" type="datetimeFigureOut">
               <a:rPr lang="fr-FR" smtClean="0"/>
-              <a:t>09/06/2020</a:t>
+              <a:t>12/06/2020</a:t>
             </a:fld>
             <a:endParaRPr lang="fr-FR"/>
           </a:p>
@@ -1299,7 +1299,7 @@
           <a:p>
             <a:fld id="{8BCF6F66-F8B5-42A7-8BF1-80240DF56CB0}" type="datetimeFigureOut">
               <a:rPr lang="fr-FR" smtClean="0"/>
-              <a:t>09/06/2020</a:t>
+              <a:t>12/06/2020</a:t>
             </a:fld>
             <a:endParaRPr lang="fr-FR"/>
           </a:p>
@@ -1574,7 +1574,7 @@
           <a:p>
             <a:fld id="{8BCF6F66-F8B5-42A7-8BF1-80240DF56CB0}" type="datetimeFigureOut">
               <a:rPr lang="fr-FR" smtClean="0"/>
-              <a:t>09/06/2020</a:t>
+              <a:t>12/06/2020</a:t>
             </a:fld>
             <a:endParaRPr lang="fr-FR"/>
           </a:p>
@@ -1839,7 +1839,7 @@
           <a:p>
             <a:fld id="{8BCF6F66-F8B5-42A7-8BF1-80240DF56CB0}" type="datetimeFigureOut">
               <a:rPr lang="fr-FR" smtClean="0"/>
-              <a:t>09/06/2020</a:t>
+              <a:t>12/06/2020</a:t>
             </a:fld>
             <a:endParaRPr lang="fr-FR"/>
           </a:p>
@@ -2251,7 +2251,7 @@
           <a:p>
             <a:fld id="{8BCF6F66-F8B5-42A7-8BF1-80240DF56CB0}" type="datetimeFigureOut">
               <a:rPr lang="fr-FR" smtClean="0"/>
-              <a:t>09/06/2020</a:t>
+              <a:t>12/06/2020</a:t>
             </a:fld>
             <a:endParaRPr lang="fr-FR"/>
           </a:p>
@@ -2392,7 +2392,7 @@
           <a:p>
             <a:fld id="{8BCF6F66-F8B5-42A7-8BF1-80240DF56CB0}" type="datetimeFigureOut">
               <a:rPr lang="fr-FR" smtClean="0"/>
-              <a:t>09/06/2020</a:t>
+              <a:t>12/06/2020</a:t>
             </a:fld>
             <a:endParaRPr lang="fr-FR"/>
           </a:p>
@@ -2505,7 +2505,7 @@
           <a:p>
             <a:fld id="{8BCF6F66-F8B5-42A7-8BF1-80240DF56CB0}" type="datetimeFigureOut">
               <a:rPr lang="fr-FR" smtClean="0"/>
-              <a:t>09/06/2020</a:t>
+              <a:t>12/06/2020</a:t>
             </a:fld>
             <a:endParaRPr lang="fr-FR"/>
           </a:p>
@@ -2816,7 +2816,7 @@
           <a:p>
             <a:fld id="{8BCF6F66-F8B5-42A7-8BF1-80240DF56CB0}" type="datetimeFigureOut">
               <a:rPr lang="fr-FR" smtClean="0"/>
-              <a:t>09/06/2020</a:t>
+              <a:t>12/06/2020</a:t>
             </a:fld>
             <a:endParaRPr lang="fr-FR"/>
           </a:p>
@@ -3104,7 +3104,7 @@
           <a:p>
             <a:fld id="{8BCF6F66-F8B5-42A7-8BF1-80240DF56CB0}" type="datetimeFigureOut">
               <a:rPr lang="fr-FR" smtClean="0"/>
-              <a:t>09/06/2020</a:t>
+              <a:t>12/06/2020</a:t>
             </a:fld>
             <a:endParaRPr lang="fr-FR"/>
           </a:p>
@@ -3345,7 +3345,7 @@
           <a:p>
             <a:fld id="{8BCF6F66-F8B5-42A7-8BF1-80240DF56CB0}" type="datetimeFigureOut">
               <a:rPr lang="fr-FR" smtClean="0"/>
-              <a:t>09/06/2020</a:t>
+              <a:t>12/06/2020</a:t>
             </a:fld>
             <a:endParaRPr lang="fr-FR"/>
           </a:p>
@@ -3764,10 +3764,10 @@
       </p:grpSpPr>
       <p:sp>
         <p:nvSpPr>
-          <p:cNvPr id="14" name="Rectangle : coins arrondis 13">
-            <a:extLst>
-              <a:ext uri="{FF2B5EF4-FFF2-40B4-BE49-F238E27FC236}">
-                <a16:creationId xmlns:a16="http://schemas.microsoft.com/office/drawing/2014/main" id="{29FD789E-5DC2-4F77-8D9C-05567FD55A8C}"/>
+          <p:cNvPr id="4" name="Rectangle : coins arrondis 3">
+            <a:extLst>
+              <a:ext uri="{FF2B5EF4-FFF2-40B4-BE49-F238E27FC236}">
+                <a16:creationId xmlns:a16="http://schemas.microsoft.com/office/drawing/2014/main" id="{76D005D9-2037-4F5C-9179-DFDC2659B7F0}"/>
               </a:ext>
             </a:extLst>
           </p:cNvPr>
@@ -3987,10 +3987,10 @@
       </p:sp>
       <p:sp>
         <p:nvSpPr>
-          <p:cNvPr id="15" name="Rectangle : coins arrondis 14">
-            <a:extLst>
-              <a:ext uri="{FF2B5EF4-FFF2-40B4-BE49-F238E27FC236}">
-                <a16:creationId xmlns:a16="http://schemas.microsoft.com/office/drawing/2014/main" id="{C91ED5CA-8F22-465B-8E0D-765642A0C8C9}"/>
+          <p:cNvPr id="6" name="Rectangle : coins arrondis 5">
+            <a:extLst>
+              <a:ext uri="{FF2B5EF4-FFF2-40B4-BE49-F238E27FC236}">
+                <a16:creationId xmlns:a16="http://schemas.microsoft.com/office/drawing/2014/main" id="{DE115957-E080-48FD-B763-B520C28E97DD}"/>
               </a:ext>
             </a:extLst>
           </p:cNvPr>
@@ -4058,10 +4058,10 @@
       </p:sp>
       <p:sp>
         <p:nvSpPr>
-          <p:cNvPr id="16" name="Rectangle : coins arrondis 15">
-            <a:extLst>
-              <a:ext uri="{FF2B5EF4-FFF2-40B4-BE49-F238E27FC236}">
-                <a16:creationId xmlns:a16="http://schemas.microsoft.com/office/drawing/2014/main" id="{694F658E-0C79-45C2-98AD-68B0E9F42A20}"/>
+          <p:cNvPr id="24" name="Rectangle : coins arrondis 23">
+            <a:extLst>
+              <a:ext uri="{FF2B5EF4-FFF2-40B4-BE49-F238E27FC236}">
+                <a16:creationId xmlns:a16="http://schemas.microsoft.com/office/drawing/2014/main" id="{02AB1110-47D1-40E7-99B0-0EA356ADDA45}"/>
               </a:ext>
             </a:extLst>
           </p:cNvPr>
@@ -4129,16 +4129,16 @@
       </p:sp>
       <p:cxnSp>
         <p:nvCxnSpPr>
-          <p:cNvPr id="17" name="Connecteur droit avec flèche 16">
-            <a:extLst>
-              <a:ext uri="{FF2B5EF4-FFF2-40B4-BE49-F238E27FC236}">
-                <a16:creationId xmlns:a16="http://schemas.microsoft.com/office/drawing/2014/main" id="{D5478B76-E714-4CF8-922A-083F8392B0B1}"/>
+          <p:cNvPr id="31" name="Connecteur droit avec flèche 30">
+            <a:extLst>
+              <a:ext uri="{FF2B5EF4-FFF2-40B4-BE49-F238E27FC236}">
+                <a16:creationId xmlns:a16="http://schemas.microsoft.com/office/drawing/2014/main" id="{F85AD6A8-6DC1-48C5-97A4-6CA1DB5FAC27}"/>
               </a:ext>
             </a:extLst>
           </p:cNvPr>
           <p:cNvCxnSpPr>
             <a:cxnSpLocks/>
-            <a:endCxn id="16" idx="1"/>
+            <a:endCxn id="24" idx="1"/>
           </p:cNvCxnSpPr>
           <p:nvPr/>
         </p:nvCxnSpPr>
@@ -4174,23 +4174,23 @@
       </p:cxnSp>
       <p:cxnSp>
         <p:nvCxnSpPr>
-          <p:cNvPr id="18" name="Connecteur droit avec flèche 17">
-            <a:extLst>
-              <a:ext uri="{FF2B5EF4-FFF2-40B4-BE49-F238E27FC236}">
-                <a16:creationId xmlns:a16="http://schemas.microsoft.com/office/drawing/2014/main" id="{43478A0E-9408-4101-9CCC-3CD95D39F7B6}"/>
+          <p:cNvPr id="26" name="Connecteur droit avec flèche 25">
+            <a:extLst>
+              <a:ext uri="{FF2B5EF4-FFF2-40B4-BE49-F238E27FC236}">
+                <a16:creationId xmlns:a16="http://schemas.microsoft.com/office/drawing/2014/main" id="{5B506B3C-8504-4607-A0EC-8CFF7B905C49}"/>
               </a:ext>
             </a:extLst>
           </p:cNvPr>
           <p:cNvCxnSpPr>
             <a:cxnSpLocks/>
-            <a:endCxn id="15" idx="1"/>
+            <a:endCxn id="6" idx="1"/>
           </p:cNvCxnSpPr>
           <p:nvPr/>
         </p:nvCxnSpPr>
         <p:spPr>
           <a:xfrm flipV="1">
-            <a:off x="5707055" y="2234881"/>
-            <a:ext cx="579361" cy="2105206"/>
+            <a:off x="5340626" y="2234881"/>
+            <a:ext cx="945790" cy="2105206"/>
           </a:xfrm>
           <a:prstGeom prst="straightConnector1">
             <a:avLst/>
@@ -4219,23 +4219,22 @@
       </p:cxnSp>
       <p:cxnSp>
         <p:nvCxnSpPr>
-          <p:cNvPr id="19" name="Connecteur droit avec flèche 18">
-            <a:extLst>
-              <a:ext uri="{FF2B5EF4-FFF2-40B4-BE49-F238E27FC236}">
-                <a16:creationId xmlns:a16="http://schemas.microsoft.com/office/drawing/2014/main" id="{6B8EC1E1-A6A7-41BA-BB4B-F33D810BE167}"/>
+          <p:cNvPr id="48" name="Connecteur droit avec flèche 47">
+            <a:extLst>
+              <a:ext uri="{FF2B5EF4-FFF2-40B4-BE49-F238E27FC236}">
+                <a16:creationId xmlns:a16="http://schemas.microsoft.com/office/drawing/2014/main" id="{BBD92E82-BDCF-4C74-BEA1-9C997A349A10}"/>
               </a:ext>
             </a:extLst>
           </p:cNvPr>
           <p:cNvCxnSpPr>
             <a:cxnSpLocks/>
-            <a:endCxn id="22" idx="1"/>
           </p:cNvCxnSpPr>
           <p:nvPr/>
         </p:nvCxnSpPr>
         <p:spPr>
           <a:xfrm flipV="1">
-            <a:off x="5711687" y="3134990"/>
-            <a:ext cx="579361" cy="1920714"/>
+            <a:off x="5335994" y="3141616"/>
+            <a:ext cx="950422" cy="1900836"/>
           </a:xfrm>
           <a:prstGeom prst="straightConnector1">
             <a:avLst/>
@@ -4264,10 +4263,10 @@
       </p:cxnSp>
       <p:sp>
         <p:nvSpPr>
-          <p:cNvPr id="20" name="Rectangle : coins arrondis 19">
-            <a:extLst>
-              <a:ext uri="{FF2B5EF4-FFF2-40B4-BE49-F238E27FC236}">
-                <a16:creationId xmlns:a16="http://schemas.microsoft.com/office/drawing/2014/main" id="{5F7F6191-7984-43F9-BA2A-4DDFBCE5B722}"/>
+          <p:cNvPr id="28" name="Rectangle : coins arrondis 27">
+            <a:extLst>
+              <a:ext uri="{FF2B5EF4-FFF2-40B4-BE49-F238E27FC236}">
+                <a16:creationId xmlns:a16="http://schemas.microsoft.com/office/drawing/2014/main" id="{F8258634-CE44-4221-9F7A-F381A5941379}"/>
               </a:ext>
             </a:extLst>
           </p:cNvPr>
@@ -4527,7 +4526,7 @@
                   <a:srgbClr val="00B050"/>
                 </a:solidFill>
               </a:rPr>
-              <a:t>specimenRequirements [ </a:t>
+              <a:t>specimenRequested [ </a:t>
             </a:r>
           </a:p>
           <a:p>
@@ -4571,7 +4570,7 @@
                   <a:srgbClr val="00B050"/>
                 </a:solidFill>
               </a:rPr>
-              <a:t>	     sampleRequirement  [] </a:t>
+              <a:t>	     material  [] </a:t>
             </a:r>
           </a:p>
           <a:p>
@@ -4604,7 +4603,7 @@
                   <a:srgbClr val="00B050"/>
                 </a:solidFill>
               </a:rPr>
-              <a:t>                  sampleRequirement  [] </a:t>
+              <a:t> 	     material  [] </a:t>
             </a:r>
           </a:p>
           <a:p>
@@ -4702,10 +4701,10 @@
       </p:sp>
       <p:sp>
         <p:nvSpPr>
-          <p:cNvPr id="21" name="ZoneTexte 20">
-            <a:extLst>
-              <a:ext uri="{FF2B5EF4-FFF2-40B4-BE49-F238E27FC236}">
-                <a16:creationId xmlns:a16="http://schemas.microsoft.com/office/drawing/2014/main" id="{E86A3743-8449-4792-A35F-264EC3107E81}"/>
+          <p:cNvPr id="29" name="ZoneTexte 28">
+            <a:extLst>
+              <a:ext uri="{FF2B5EF4-FFF2-40B4-BE49-F238E27FC236}">
+                <a16:creationId xmlns:a16="http://schemas.microsoft.com/office/drawing/2014/main" id="{314EAE70-5136-41CD-BD4C-891D23BEAC81}"/>
               </a:ext>
             </a:extLst>
           </p:cNvPr>
@@ -4761,10 +4760,10 @@
       </p:sp>
       <p:sp>
         <p:nvSpPr>
-          <p:cNvPr id="22" name="Rectangle : coins arrondis 21">
-            <a:extLst>
-              <a:ext uri="{FF2B5EF4-FFF2-40B4-BE49-F238E27FC236}">
-                <a16:creationId xmlns:a16="http://schemas.microsoft.com/office/drawing/2014/main" id="{F7C1A6D9-367E-408E-9AE2-03C53FCD790D}"/>
+          <p:cNvPr id="17" name="Rectangle : coins arrondis 16">
+            <a:extLst>
+              <a:ext uri="{FF2B5EF4-FFF2-40B4-BE49-F238E27FC236}">
+                <a16:creationId xmlns:a16="http://schemas.microsoft.com/office/drawing/2014/main" id="{D177948D-B0D4-4862-BFFC-016079FD0C0D}"/>
               </a:ext>
             </a:extLst>
           </p:cNvPr>
@@ -4832,16 +4831,16 @@
       </p:sp>
       <p:cxnSp>
         <p:nvCxnSpPr>
-          <p:cNvPr id="24" name="Connecteur droit avec flèche 23">
-            <a:extLst>
-              <a:ext uri="{FF2B5EF4-FFF2-40B4-BE49-F238E27FC236}">
-                <a16:creationId xmlns:a16="http://schemas.microsoft.com/office/drawing/2014/main" id="{84742B45-67F4-4468-9654-34B017AE2E60}"/>
+          <p:cNvPr id="32" name="Connecteur droit avec flèche 31">
+            <a:extLst>
+              <a:ext uri="{FF2B5EF4-FFF2-40B4-BE49-F238E27FC236}">
+                <a16:creationId xmlns:a16="http://schemas.microsoft.com/office/drawing/2014/main" id="{5C16FB47-E756-4E28-AE31-E2C55FBFB6FE}"/>
               </a:ext>
             </a:extLst>
           </p:cNvPr>
           <p:cNvCxnSpPr>
             <a:cxnSpLocks/>
-            <a:endCxn id="14" idx="1"/>
+            <a:endCxn id="4" idx="1"/>
           </p:cNvCxnSpPr>
           <p:nvPr/>
         </p:nvCxnSpPr>
@@ -4877,10 +4876,10 @@
       </p:cxnSp>
       <p:cxnSp>
         <p:nvCxnSpPr>
-          <p:cNvPr id="25" name="Connecteur droit avec flèche 24">
-            <a:extLst>
-              <a:ext uri="{FF2B5EF4-FFF2-40B4-BE49-F238E27FC236}">
-                <a16:creationId xmlns:a16="http://schemas.microsoft.com/office/drawing/2014/main" id="{8E9BEB7A-2393-46AA-8FA6-A2AF50BACF6E}"/>
+          <p:cNvPr id="30" name="Connecteur droit avec flèche 29">
+            <a:extLst>
+              <a:ext uri="{FF2B5EF4-FFF2-40B4-BE49-F238E27FC236}">
+                <a16:creationId xmlns:a16="http://schemas.microsoft.com/office/drawing/2014/main" id="{749F2BEB-833F-489B-94BD-7CD95F6DE7EC}"/>
               </a:ext>
             </a:extLst>
           </p:cNvPr>
@@ -4921,10 +4920,10 @@
       </p:cxnSp>
       <p:sp>
         <p:nvSpPr>
-          <p:cNvPr id="26" name="Rectangle : coins arrondis 25">
-            <a:extLst>
-              <a:ext uri="{FF2B5EF4-FFF2-40B4-BE49-F238E27FC236}">
-                <a16:creationId xmlns:a16="http://schemas.microsoft.com/office/drawing/2014/main" id="{FB788CE5-0D2C-47F3-A102-F830065A52BA}"/>
+          <p:cNvPr id="33" name="Rectangle : coins arrondis 32">
+            <a:extLst>
+              <a:ext uri="{FF2B5EF4-FFF2-40B4-BE49-F238E27FC236}">
+                <a16:creationId xmlns:a16="http://schemas.microsoft.com/office/drawing/2014/main" id="{CD807DC3-FE6E-433B-AB28-C557BA758A4F}"/>
               </a:ext>
             </a:extLst>
           </p:cNvPr>
@@ -5037,7 +5036,7 @@
     </p:spTree>
     <p:extLst>
       <p:ext uri="{BB962C8B-B14F-4D97-AF65-F5344CB8AC3E}">
-        <p14:creationId xmlns:p14="http://schemas.microsoft.com/office/powerpoint/2010/main" val="1001368380"/>
+        <p14:creationId xmlns:p14="http://schemas.microsoft.com/office/powerpoint/2010/main" val="339313992"/>
       </p:ext>
     </p:extLst>
   </p:cSld>
